--- a/slides/RBasics1.pptx
+++ b/slides/RBasics1.pptx
@@ -5,7 +5,7 @@
     <p:sldMasterId id="2147483673" r:id="rId1"/>
   </p:sldMasterIdLst>
   <p:notesMasterIdLst>
-    <p:notesMasterId r:id="rId26"/>
+    <p:notesMasterId r:id="rId25"/>
   </p:notesMasterIdLst>
   <p:sldIdLst>
     <p:sldId id="256" r:id="rId2"/>
@@ -31,36 +31,35 @@
     <p:sldId id="283" r:id="rId22"/>
     <p:sldId id="279" r:id="rId23"/>
     <p:sldId id="266" r:id="rId24"/>
-    <p:sldId id="273" r:id="rId25"/>
   </p:sldIdLst>
   <p:sldSz cx="9144000" cy="5143500" type="screen16x9"/>
   <p:notesSz cx="6858000" cy="9144000"/>
   <p:embeddedFontLst>
     <p:embeddedFont>
       <p:font typeface="Baloo 2" panose="03080502040302020200" pitchFamily="66" charset="0"/>
-      <p:regular r:id="rId27"/>
-      <p:bold r:id="rId28"/>
+      <p:regular r:id="rId26"/>
+      <p:bold r:id="rId27"/>
     </p:embeddedFont>
     <p:embeddedFont>
       <p:font typeface="Calibri" panose="020F0502020204030204" pitchFamily="34" charset="0"/>
-      <p:regular r:id="rId29"/>
-      <p:bold r:id="rId30"/>
-      <p:italic r:id="rId31"/>
-      <p:boldItalic r:id="rId32"/>
+      <p:regular r:id="rId28"/>
+      <p:bold r:id="rId29"/>
+      <p:italic r:id="rId30"/>
+      <p:boldItalic r:id="rId31"/>
     </p:embeddedFont>
     <p:embeddedFont>
       <p:font typeface="Concert One" pitchFamily="2" charset="0"/>
-      <p:regular r:id="rId33"/>
+      <p:regular r:id="rId32"/>
     </p:embeddedFont>
     <p:embeddedFont>
       <p:font typeface="Roboto Condensed Light" panose="020F0302020204030204" pitchFamily="34" charset="0"/>
-      <p:regular r:id="rId34"/>
-      <p:italic r:id="rId35"/>
+      <p:regular r:id="rId33"/>
+      <p:italic r:id="rId34"/>
     </p:embeddedFont>
     <p:embeddedFont>
       <p:font typeface="Teko" panose="02000000000000000000" pitchFamily="2" charset="0"/>
-      <p:regular r:id="rId36"/>
-      <p:bold r:id="rId37"/>
+      <p:regular r:id="rId35"/>
+      <p:bold r:id="rId36"/>
     </p:embeddedFont>
   </p:embeddedFontLst>
   <p:defaultTextStyle>
@@ -318,6 +317,343 @@
 <file path=ppt/changesInfos/changesInfo1.xml><?xml version="1.0" encoding="utf-8"?>
 <pc:chgInfo xmlns:a="http://schemas.openxmlformats.org/drawingml/2006/main" xmlns:r="http://schemas.openxmlformats.org/officeDocument/2006/relationships" xmlns:ac="http://schemas.microsoft.com/office/drawing/2013/main/command" xmlns:pc="http://schemas.microsoft.com/office/powerpoint/2013/main/command">
   <pc:docChgLst>
+    <pc:chgData name="Malosree Maitra" userId="S::malosree.maitra@mail.mcgill.ca::8f9c36eb-6eee-475d-9222-9db764a484c1" providerId="AD" clId="Web-{5EC6326F-A8AF-3E45-BAA2-8BA905197B00}"/>
+    <pc:docChg chg="modSld">
+      <pc:chgData name="Malosree Maitra" userId="S::malosree.maitra@mail.mcgill.ca::8f9c36eb-6eee-475d-9222-9db764a484c1" providerId="AD" clId="Web-{5EC6326F-A8AF-3E45-BAA2-8BA905197B00}" dt="2022-02-03T12:55:30.316" v="1" actId="20577"/>
+      <pc:docMkLst>
+        <pc:docMk/>
+      </pc:docMkLst>
+      <pc:sldChg chg="modSp modCm">
+        <pc:chgData name="Malosree Maitra" userId="S::malosree.maitra@mail.mcgill.ca::8f9c36eb-6eee-475d-9222-9db764a484c1" providerId="AD" clId="Web-{5EC6326F-A8AF-3E45-BAA2-8BA905197B00}" dt="2022-02-03T12:55:30.316" v="1" actId="20577"/>
+        <pc:sldMkLst>
+          <pc:docMk/>
+          <pc:sldMk cId="2212237892" sldId="265"/>
+        </pc:sldMkLst>
+        <pc:spChg chg="mod">
+          <ac:chgData name="Malosree Maitra" userId="S::malosree.maitra@mail.mcgill.ca::8f9c36eb-6eee-475d-9222-9db764a484c1" providerId="AD" clId="Web-{5EC6326F-A8AF-3E45-BAA2-8BA905197B00}" dt="2022-02-03T12:55:30.316" v="1" actId="20577"/>
+          <ac:spMkLst>
+            <pc:docMk/>
+            <pc:sldMk cId="2212237892" sldId="265"/>
+            <ac:spMk id="3" creationId="{AA7AE3DA-4533-47E7-AC7A-1C38BF4712F7}"/>
+          </ac:spMkLst>
+        </pc:spChg>
+      </pc:sldChg>
+    </pc:docChg>
+  </pc:docChgLst>
+  <pc:docChgLst>
+    <pc:chgData name="Malosree Maitra" userId="S::malosree.maitra@mail.mcgill.ca::8f9c36eb-6eee-475d-9222-9db764a484c1" providerId="AD" clId="Web-{8A7FB3C9-9560-C140-32A3-FD3B946263BC}"/>
+    <pc:docChg chg="addSld delSld modSld sldOrd">
+      <pc:chgData name="Malosree Maitra" userId="S::malosree.maitra@mail.mcgill.ca::8f9c36eb-6eee-475d-9222-9db764a484c1" providerId="AD" clId="Web-{8A7FB3C9-9560-C140-32A3-FD3B946263BC}" dt="2021-11-15T21:38:30.465" v="807" actId="20577"/>
+      <pc:docMkLst>
+        <pc:docMk/>
+      </pc:docMkLst>
+      <pc:sldChg chg="modSp">
+        <pc:chgData name="Malosree Maitra" userId="S::malosree.maitra@mail.mcgill.ca::8f9c36eb-6eee-475d-9222-9db764a484c1" providerId="AD" clId="Web-{8A7FB3C9-9560-C140-32A3-FD3B946263BC}" dt="2021-11-15T21:13:19.284" v="3" actId="20577"/>
+        <pc:sldMkLst>
+          <pc:docMk/>
+          <pc:sldMk cId="0" sldId="256"/>
+        </pc:sldMkLst>
+        <pc:spChg chg="mod">
+          <ac:chgData name="Malosree Maitra" userId="S::malosree.maitra@mail.mcgill.ca::8f9c36eb-6eee-475d-9222-9db764a484c1" providerId="AD" clId="Web-{8A7FB3C9-9560-C140-32A3-FD3B946263BC}" dt="2021-11-15T21:13:19.284" v="3" actId="20577"/>
+          <ac:spMkLst>
+            <pc:docMk/>
+            <pc:sldMk cId="0" sldId="256"/>
+            <ac:spMk id="737" creationId="{00000000-0000-0000-0000-000000000000}"/>
+          </ac:spMkLst>
+        </pc:spChg>
+      </pc:sldChg>
+      <pc:sldChg chg="modSp">
+        <pc:chgData name="Malosree Maitra" userId="S::malosree.maitra@mail.mcgill.ca::8f9c36eb-6eee-475d-9222-9db764a484c1" providerId="AD" clId="Web-{8A7FB3C9-9560-C140-32A3-FD3B946263BC}" dt="2021-11-15T21:33:40.664" v="710" actId="20577"/>
+        <pc:sldMkLst>
+          <pc:docMk/>
+          <pc:sldMk cId="0" sldId="257"/>
+        </pc:sldMkLst>
+        <pc:spChg chg="mod">
+          <ac:chgData name="Malosree Maitra" userId="S::malosree.maitra@mail.mcgill.ca::8f9c36eb-6eee-475d-9222-9db764a484c1" providerId="AD" clId="Web-{8A7FB3C9-9560-C140-32A3-FD3B946263BC}" dt="2021-11-15T21:33:40.664" v="710" actId="20577"/>
+          <ac:spMkLst>
+            <pc:docMk/>
+            <pc:sldMk cId="0" sldId="257"/>
+            <ac:spMk id="742" creationId="{00000000-0000-0000-0000-000000000000}"/>
+          </ac:spMkLst>
+        </pc:spChg>
+        <pc:spChg chg="mod">
+          <ac:chgData name="Malosree Maitra" userId="S::malosree.maitra@mail.mcgill.ca::8f9c36eb-6eee-475d-9222-9db764a484c1" providerId="AD" clId="Web-{8A7FB3C9-9560-C140-32A3-FD3B946263BC}" dt="2021-11-15T21:21:45.558" v="334" actId="20577"/>
+          <ac:spMkLst>
+            <pc:docMk/>
+            <pc:sldMk cId="0" sldId="257"/>
+            <ac:spMk id="743" creationId="{00000000-0000-0000-0000-000000000000}"/>
+          </ac:spMkLst>
+        </pc:spChg>
+      </pc:sldChg>
+      <pc:sldChg chg="addSp delSp modSp del">
+        <pc:chgData name="Malosree Maitra" userId="S::malosree.maitra@mail.mcgill.ca::8f9c36eb-6eee-475d-9222-9db764a484c1" providerId="AD" clId="Web-{8A7FB3C9-9560-C140-32A3-FD3B946263BC}" dt="2021-11-15T21:16:19.506" v="82"/>
+        <pc:sldMkLst>
+          <pc:docMk/>
+          <pc:sldMk cId="0" sldId="260"/>
+        </pc:sldMkLst>
+        <pc:spChg chg="del">
+          <ac:chgData name="Malosree Maitra" userId="S::malosree.maitra@mail.mcgill.ca::8f9c36eb-6eee-475d-9222-9db764a484c1" providerId="AD" clId="Web-{8A7FB3C9-9560-C140-32A3-FD3B946263BC}" dt="2021-11-15T21:16:01.287" v="78"/>
+          <ac:spMkLst>
+            <pc:docMk/>
+            <pc:sldMk cId="0" sldId="260"/>
+            <ac:spMk id="4" creationId="{0F7F08B3-15B8-450A-902E-6E39D3D7673F}"/>
+          </ac:spMkLst>
+        </pc:spChg>
+        <pc:spChg chg="add mod">
+          <ac:chgData name="Malosree Maitra" userId="S::malosree.maitra@mail.mcgill.ca::8f9c36eb-6eee-475d-9222-9db764a484c1" providerId="AD" clId="Web-{8A7FB3C9-9560-C140-32A3-FD3B946263BC}" dt="2021-11-15T21:15:59.053" v="77"/>
+          <ac:spMkLst>
+            <pc:docMk/>
+            <pc:sldMk cId="0" sldId="260"/>
+            <ac:spMk id="5" creationId="{929C33CE-CD6D-413C-B077-9174971FCE73}"/>
+          </ac:spMkLst>
+        </pc:spChg>
+        <pc:spChg chg="add mod">
+          <ac:chgData name="Malosree Maitra" userId="S::malosree.maitra@mail.mcgill.ca::8f9c36eb-6eee-475d-9222-9db764a484c1" providerId="AD" clId="Web-{8A7FB3C9-9560-C140-32A3-FD3B946263BC}" dt="2021-11-15T21:16:01.287" v="78"/>
+          <ac:spMkLst>
+            <pc:docMk/>
+            <pc:sldMk cId="0" sldId="260"/>
+            <ac:spMk id="7" creationId="{AB0568F4-B0D0-4BAD-B8E7-29C097402C36}"/>
+          </ac:spMkLst>
+        </pc:spChg>
+        <pc:spChg chg="del">
+          <ac:chgData name="Malosree Maitra" userId="S::malosree.maitra@mail.mcgill.ca::8f9c36eb-6eee-475d-9222-9db764a484c1" providerId="AD" clId="Web-{8A7FB3C9-9560-C140-32A3-FD3B946263BC}" dt="2021-11-15T21:15:59.053" v="77"/>
+          <ac:spMkLst>
+            <pc:docMk/>
+            <pc:sldMk cId="0" sldId="260"/>
+            <ac:spMk id="779" creationId="{00000000-0000-0000-0000-000000000000}"/>
+          </ac:spMkLst>
+        </pc:spChg>
+      </pc:sldChg>
+      <pc:sldChg chg="new del">
+        <pc:chgData name="Malosree Maitra" userId="S::malosree.maitra@mail.mcgill.ca::8f9c36eb-6eee-475d-9222-9db764a484c1" providerId="AD" clId="Web-{8A7FB3C9-9560-C140-32A3-FD3B946263BC}" dt="2021-11-15T21:16:18.303" v="81"/>
+        <pc:sldMkLst>
+          <pc:docMk/>
+          <pc:sldMk cId="937112411" sldId="261"/>
+        </pc:sldMkLst>
+      </pc:sldChg>
+      <pc:sldChg chg="modSp new">
+        <pc:chgData name="Malosree Maitra" userId="S::malosree.maitra@mail.mcgill.ca::8f9c36eb-6eee-475d-9222-9db764a484c1" providerId="AD" clId="Web-{8A7FB3C9-9560-C140-32A3-FD3B946263BC}" dt="2021-11-15T21:34:05.508" v="714" actId="20577"/>
+        <pc:sldMkLst>
+          <pc:docMk/>
+          <pc:sldMk cId="1249762310" sldId="262"/>
+        </pc:sldMkLst>
+        <pc:spChg chg="mod">
+          <ac:chgData name="Malosree Maitra" userId="S::malosree.maitra@mail.mcgill.ca::8f9c36eb-6eee-475d-9222-9db764a484c1" providerId="AD" clId="Web-{8A7FB3C9-9560-C140-32A3-FD3B946263BC}" dt="2021-11-15T21:34:05.508" v="714" actId="20577"/>
+          <ac:spMkLst>
+            <pc:docMk/>
+            <pc:sldMk cId="1249762310" sldId="262"/>
+            <ac:spMk id="2" creationId="{38C92C51-0A54-4549-AB83-989A15C0B632}"/>
+          </ac:spMkLst>
+        </pc:spChg>
+        <pc:spChg chg="mod">
+          <ac:chgData name="Malosree Maitra" userId="S::malosree.maitra@mail.mcgill.ca::8f9c36eb-6eee-475d-9222-9db764a484c1" providerId="AD" clId="Web-{8A7FB3C9-9560-C140-32A3-FD3B946263BC}" dt="2021-11-15T21:18:44.540" v="200" actId="20577"/>
+          <ac:spMkLst>
+            <pc:docMk/>
+            <pc:sldMk cId="1249762310" sldId="262"/>
+            <ac:spMk id="3" creationId="{02660DC3-14BA-4C4D-8F7D-AD800EADBC4C}"/>
+          </ac:spMkLst>
+        </pc:spChg>
+      </pc:sldChg>
+      <pc:sldChg chg="modSp new">
+        <pc:chgData name="Malosree Maitra" userId="S::malosree.maitra@mail.mcgill.ca::8f9c36eb-6eee-475d-9222-9db764a484c1" providerId="AD" clId="Web-{8A7FB3C9-9560-C140-32A3-FD3B946263BC}" dt="2021-11-15T21:34:41.586" v="742" actId="20577"/>
+        <pc:sldMkLst>
+          <pc:docMk/>
+          <pc:sldMk cId="3787940990" sldId="263"/>
+        </pc:sldMkLst>
+        <pc:spChg chg="mod">
+          <ac:chgData name="Malosree Maitra" userId="S::malosree.maitra@mail.mcgill.ca::8f9c36eb-6eee-475d-9222-9db764a484c1" providerId="AD" clId="Web-{8A7FB3C9-9560-C140-32A3-FD3B946263BC}" dt="2021-11-15T21:34:41.586" v="742" actId="20577"/>
+          <ac:spMkLst>
+            <pc:docMk/>
+            <pc:sldMk cId="3787940990" sldId="263"/>
+            <ac:spMk id="2" creationId="{3469AD2A-5E5C-4A57-86E2-5A3FDDC3F677}"/>
+          </ac:spMkLst>
+        </pc:spChg>
+        <pc:spChg chg="mod">
+          <ac:chgData name="Malosree Maitra" userId="S::malosree.maitra@mail.mcgill.ca::8f9c36eb-6eee-475d-9222-9db764a484c1" providerId="AD" clId="Web-{8A7FB3C9-9560-C140-32A3-FD3B946263BC}" dt="2021-11-15T21:21:19.417" v="304" actId="20577"/>
+          <ac:spMkLst>
+            <pc:docMk/>
+            <pc:sldMk cId="3787940990" sldId="263"/>
+            <ac:spMk id="3" creationId="{3A5DE77B-248F-472A-9BFB-78F2C02868C1}"/>
+          </ac:spMkLst>
+        </pc:spChg>
+      </pc:sldChg>
+      <pc:sldChg chg="modSp new">
+        <pc:chgData name="Malosree Maitra" userId="S::malosree.maitra@mail.mcgill.ca::8f9c36eb-6eee-475d-9222-9db764a484c1" providerId="AD" clId="Web-{8A7FB3C9-9560-C140-32A3-FD3B946263BC}" dt="2021-11-15T21:24:05.764" v="443" actId="20577"/>
+        <pc:sldMkLst>
+          <pc:docMk/>
+          <pc:sldMk cId="2515671864" sldId="264"/>
+        </pc:sldMkLst>
+        <pc:spChg chg="mod">
+          <ac:chgData name="Malosree Maitra" userId="S::malosree.maitra@mail.mcgill.ca::8f9c36eb-6eee-475d-9222-9db764a484c1" providerId="AD" clId="Web-{8A7FB3C9-9560-C140-32A3-FD3B946263BC}" dt="2021-11-15T21:22:11.887" v="345" actId="20577"/>
+          <ac:spMkLst>
+            <pc:docMk/>
+            <pc:sldMk cId="2515671864" sldId="264"/>
+            <ac:spMk id="2" creationId="{DC2184EE-1383-4573-94B5-42471EBF61D2}"/>
+          </ac:spMkLst>
+        </pc:spChg>
+        <pc:spChg chg="mod">
+          <ac:chgData name="Malosree Maitra" userId="S::malosree.maitra@mail.mcgill.ca::8f9c36eb-6eee-475d-9222-9db764a484c1" providerId="AD" clId="Web-{8A7FB3C9-9560-C140-32A3-FD3B946263BC}" dt="2021-11-15T21:24:05.764" v="443" actId="20577"/>
+          <ac:spMkLst>
+            <pc:docMk/>
+            <pc:sldMk cId="2515671864" sldId="264"/>
+            <ac:spMk id="3" creationId="{836B0D7E-22A7-457F-90F3-5564142BE703}"/>
+          </ac:spMkLst>
+        </pc:spChg>
+      </pc:sldChg>
+      <pc:sldChg chg="modSp new ord">
+        <pc:chgData name="Malosree Maitra" userId="S::malosree.maitra@mail.mcgill.ca::8f9c36eb-6eee-475d-9222-9db764a484c1" providerId="AD" clId="Web-{8A7FB3C9-9560-C140-32A3-FD3B946263BC}" dt="2021-11-15T21:34:31.024" v="724" actId="20577"/>
+        <pc:sldMkLst>
+          <pc:docMk/>
+          <pc:sldMk cId="2212237892" sldId="265"/>
+        </pc:sldMkLst>
+        <pc:spChg chg="mod">
+          <ac:chgData name="Malosree Maitra" userId="S::malosree.maitra@mail.mcgill.ca::8f9c36eb-6eee-475d-9222-9db764a484c1" providerId="AD" clId="Web-{8A7FB3C9-9560-C140-32A3-FD3B946263BC}" dt="2021-11-15T21:34:31.024" v="724" actId="20577"/>
+          <ac:spMkLst>
+            <pc:docMk/>
+            <pc:sldMk cId="2212237892" sldId="265"/>
+            <ac:spMk id="2" creationId="{8B31C1CE-2D44-48DB-B0A0-0D22F4F1994C}"/>
+          </ac:spMkLst>
+        </pc:spChg>
+      </pc:sldChg>
+      <pc:sldChg chg="modSp new">
+        <pc:chgData name="Malosree Maitra" userId="S::malosree.maitra@mail.mcgill.ca::8f9c36eb-6eee-475d-9222-9db764a484c1" providerId="AD" clId="Web-{8A7FB3C9-9560-C140-32A3-FD3B946263BC}" dt="2021-11-15T21:24:30.967" v="459" actId="20577"/>
+        <pc:sldMkLst>
+          <pc:docMk/>
+          <pc:sldMk cId="3690728207" sldId="266"/>
+        </pc:sldMkLst>
+        <pc:spChg chg="mod">
+          <ac:chgData name="Malosree Maitra" userId="S::malosree.maitra@mail.mcgill.ca::8f9c36eb-6eee-475d-9222-9db764a484c1" providerId="AD" clId="Web-{8A7FB3C9-9560-C140-32A3-FD3B946263BC}" dt="2021-11-15T21:24:30.967" v="459" actId="20577"/>
+          <ac:spMkLst>
+            <pc:docMk/>
+            <pc:sldMk cId="3690728207" sldId="266"/>
+            <ac:spMk id="2" creationId="{984751E8-497A-4338-AB95-0D3B329E007F}"/>
+          </ac:spMkLst>
+        </pc:spChg>
+      </pc:sldChg>
+      <pc:sldChg chg="modSp new ord">
+        <pc:chgData name="Malosree Maitra" userId="S::malosree.maitra@mail.mcgill.ca::8f9c36eb-6eee-475d-9222-9db764a484c1" providerId="AD" clId="Web-{8A7FB3C9-9560-C140-32A3-FD3B946263BC}" dt="2021-11-15T21:35:58.463" v="759" actId="20577"/>
+        <pc:sldMkLst>
+          <pc:docMk/>
+          <pc:sldMk cId="3560119381" sldId="267"/>
+        </pc:sldMkLst>
+        <pc:spChg chg="mod">
+          <ac:chgData name="Malosree Maitra" userId="S::malosree.maitra@mail.mcgill.ca::8f9c36eb-6eee-475d-9222-9db764a484c1" providerId="AD" clId="Web-{8A7FB3C9-9560-C140-32A3-FD3B946263BC}" dt="2021-11-15T21:35:58.463" v="759" actId="20577"/>
+          <ac:spMkLst>
+            <pc:docMk/>
+            <pc:sldMk cId="3560119381" sldId="267"/>
+            <ac:spMk id="2" creationId="{BCAE85E9-5EAD-4DCD-907F-F7F6C84DA3B8}"/>
+          </ac:spMkLst>
+        </pc:spChg>
+      </pc:sldChg>
+      <pc:sldChg chg="modSp new del">
+        <pc:chgData name="Malosree Maitra" userId="S::malosree.maitra@mail.mcgill.ca::8f9c36eb-6eee-475d-9222-9db764a484c1" providerId="AD" clId="Web-{8A7FB3C9-9560-C140-32A3-FD3B946263BC}" dt="2021-11-15T21:35:38.650" v="748"/>
+        <pc:sldMkLst>
+          <pc:docMk/>
+          <pc:sldMk cId="2142474314" sldId="268"/>
+        </pc:sldMkLst>
+        <pc:spChg chg="mod">
+          <ac:chgData name="Malosree Maitra" userId="S::malosree.maitra@mail.mcgill.ca::8f9c36eb-6eee-475d-9222-9db764a484c1" providerId="AD" clId="Web-{8A7FB3C9-9560-C140-32A3-FD3B946263BC}" dt="2021-11-15T21:26:57.032" v="611" actId="20577"/>
+          <ac:spMkLst>
+            <pc:docMk/>
+            <pc:sldMk cId="2142474314" sldId="268"/>
+            <ac:spMk id="2" creationId="{3D37741F-C33E-4E99-BB60-0BFE8A43D606}"/>
+          </ac:spMkLst>
+        </pc:spChg>
+      </pc:sldChg>
+      <pc:sldChg chg="modSp new ord">
+        <pc:chgData name="Malosree Maitra" userId="S::malosree.maitra@mail.mcgill.ca::8f9c36eb-6eee-475d-9222-9db764a484c1" providerId="AD" clId="Web-{8A7FB3C9-9560-C140-32A3-FD3B946263BC}" dt="2021-11-15T21:33:32.632" v="702" actId="20577"/>
+        <pc:sldMkLst>
+          <pc:docMk/>
+          <pc:sldMk cId="2297614196" sldId="269"/>
+        </pc:sldMkLst>
+        <pc:spChg chg="mod">
+          <ac:chgData name="Malosree Maitra" userId="S::malosree.maitra@mail.mcgill.ca::8f9c36eb-6eee-475d-9222-9db764a484c1" providerId="AD" clId="Web-{8A7FB3C9-9560-C140-32A3-FD3B946263BC}" dt="2021-11-15T21:25:34.437" v="498" actId="20577"/>
+          <ac:spMkLst>
+            <pc:docMk/>
+            <pc:sldMk cId="2297614196" sldId="269"/>
+            <ac:spMk id="2" creationId="{DBAFAD74-D57E-452D-B352-E457CDB5B2AB}"/>
+          </ac:spMkLst>
+        </pc:spChg>
+        <pc:spChg chg="mod">
+          <ac:chgData name="Malosree Maitra" userId="S::malosree.maitra@mail.mcgill.ca::8f9c36eb-6eee-475d-9222-9db764a484c1" providerId="AD" clId="Web-{8A7FB3C9-9560-C140-32A3-FD3B946263BC}" dt="2021-11-15T21:33:32.632" v="702" actId="20577"/>
+          <ac:spMkLst>
+            <pc:docMk/>
+            <pc:sldMk cId="2297614196" sldId="269"/>
+            <ac:spMk id="3" creationId="{0CD60E47-B7E9-4FE5-9B36-BAD8A2A725B0}"/>
+          </ac:spMkLst>
+        </pc:spChg>
+      </pc:sldChg>
+      <pc:sldChg chg="new del">
+        <pc:chgData name="Malosree Maitra" userId="S::malosree.maitra@mail.mcgill.ca::8f9c36eb-6eee-475d-9222-9db764a484c1" providerId="AD" clId="Web-{8A7FB3C9-9560-C140-32A3-FD3B946263BC}" dt="2021-11-15T21:35:40.056" v="749"/>
+        <pc:sldMkLst>
+          <pc:docMk/>
+          <pc:sldMk cId="1263912749" sldId="270"/>
+        </pc:sldMkLst>
+      </pc:sldChg>
+      <pc:sldChg chg="modSp new">
+        <pc:chgData name="Malosree Maitra" userId="S::malosree.maitra@mail.mcgill.ca::8f9c36eb-6eee-475d-9222-9db764a484c1" providerId="AD" clId="Web-{8A7FB3C9-9560-C140-32A3-FD3B946263BC}" dt="2021-11-15T21:28:00.424" v="683" actId="20577"/>
+        <pc:sldMkLst>
+          <pc:docMk/>
+          <pc:sldMk cId="1174859885" sldId="271"/>
+        </pc:sldMkLst>
+        <pc:spChg chg="mod">
+          <ac:chgData name="Malosree Maitra" userId="S::malosree.maitra@mail.mcgill.ca::8f9c36eb-6eee-475d-9222-9db764a484c1" providerId="AD" clId="Web-{8A7FB3C9-9560-C140-32A3-FD3B946263BC}" dt="2021-11-15T21:27:21.423" v="625" actId="20577"/>
+          <ac:spMkLst>
+            <pc:docMk/>
+            <pc:sldMk cId="1174859885" sldId="271"/>
+            <ac:spMk id="2" creationId="{1DECDB41-A376-45BA-A348-F87D6DDA2634}"/>
+          </ac:spMkLst>
+        </pc:spChg>
+        <pc:spChg chg="mod">
+          <ac:chgData name="Malosree Maitra" userId="S::malosree.maitra@mail.mcgill.ca::8f9c36eb-6eee-475d-9222-9db764a484c1" providerId="AD" clId="Web-{8A7FB3C9-9560-C140-32A3-FD3B946263BC}" dt="2021-11-15T21:28:00.424" v="683" actId="20577"/>
+          <ac:spMkLst>
+            <pc:docMk/>
+            <pc:sldMk cId="1174859885" sldId="271"/>
+            <ac:spMk id="3" creationId="{103D8E6C-3685-4836-94D6-EF2707046D6F}"/>
+          </ac:spMkLst>
+        </pc:spChg>
+      </pc:sldChg>
+      <pc:sldChg chg="modSp add replId">
+        <pc:chgData name="Malosree Maitra" userId="S::malosree.maitra@mail.mcgill.ca::8f9c36eb-6eee-475d-9222-9db764a484c1" providerId="AD" clId="Web-{8A7FB3C9-9560-C140-32A3-FD3B946263BC}" dt="2021-11-15T21:34:58.259" v="747" actId="20577"/>
+        <pc:sldMkLst>
+          <pc:docMk/>
+          <pc:sldMk cId="2537507375" sldId="272"/>
+        </pc:sldMkLst>
+        <pc:spChg chg="mod">
+          <ac:chgData name="Malosree Maitra" userId="S::malosree.maitra@mail.mcgill.ca::8f9c36eb-6eee-475d-9222-9db764a484c1" providerId="AD" clId="Web-{8A7FB3C9-9560-C140-32A3-FD3B946263BC}" dt="2021-11-15T21:34:58.259" v="747" actId="20577"/>
+          <ac:spMkLst>
+            <pc:docMk/>
+            <pc:sldMk cId="2537507375" sldId="272"/>
+            <ac:spMk id="2" creationId="{3469AD2A-5E5C-4A57-86E2-5A3FDDC3F677}"/>
+          </ac:spMkLst>
+        </pc:spChg>
+      </pc:sldChg>
+      <pc:sldChg chg="modSp new">
+        <pc:chgData name="Malosree Maitra" userId="S::malosree.maitra@mail.mcgill.ca::8f9c36eb-6eee-475d-9222-9db764a484c1" providerId="AD" clId="Web-{8A7FB3C9-9560-C140-32A3-FD3B946263BC}" dt="2021-11-15T21:38:30.465" v="807" actId="20577"/>
+        <pc:sldMkLst>
+          <pc:docMk/>
+          <pc:sldMk cId="1504987362" sldId="273"/>
+        </pc:sldMkLst>
+        <pc:spChg chg="mod">
+          <ac:chgData name="Malosree Maitra" userId="S::malosree.maitra@mail.mcgill.ca::8f9c36eb-6eee-475d-9222-9db764a484c1" providerId="AD" clId="Web-{8A7FB3C9-9560-C140-32A3-FD3B946263BC}" dt="2021-11-15T21:36:54.964" v="762" actId="20577"/>
+          <ac:spMkLst>
+            <pc:docMk/>
+            <pc:sldMk cId="1504987362" sldId="273"/>
+            <ac:spMk id="2" creationId="{FE5AB953-4CB7-4869-B60A-F4A3454915BC}"/>
+          </ac:spMkLst>
+        </pc:spChg>
+        <pc:spChg chg="mod">
+          <ac:chgData name="Malosree Maitra" userId="S::malosree.maitra@mail.mcgill.ca::8f9c36eb-6eee-475d-9222-9db764a484c1" providerId="AD" clId="Web-{8A7FB3C9-9560-C140-32A3-FD3B946263BC}" dt="2021-11-15T21:38:30.465" v="807" actId="20577"/>
+          <ac:spMkLst>
+            <pc:docMk/>
+            <pc:sldMk cId="1504987362" sldId="273"/>
+            <ac:spMk id="3" creationId="{E6E2003C-6096-43BC-9E9A-AB7DF9347403}"/>
+          </ac:spMkLst>
+        </pc:spChg>
+      </pc:sldChg>
+    </pc:docChg>
+  </pc:docChgLst>
+  <pc:docChgLst>
     <pc:chgData name="Malosree Maitra" userId="S::malosree.maitra@mail.mcgill.ca::8f9c36eb-6eee-475d-9222-9db764a484c1" providerId="AD" clId="Web-{378EF150-4B72-733F-94B9-028E4143C87C}"/>
     <pc:docChg chg="addSld modSld">
       <pc:chgData name="Malosree Maitra" userId="S::malosree.maitra@mail.mcgill.ca::8f9c36eb-6eee-475d-9222-9db764a484c1" providerId="AD" clId="Web-{378EF150-4B72-733F-94B9-028E4143C87C}" dt="2022-01-05T02:59:13.949" v="128" actId="20577"/>
@@ -425,6 +761,685 @@
             <ac:picMk id="4100" creationId="{D9BFF674-32FF-4AC3-B664-626361E97E8C}"/>
           </ac:picMkLst>
         </pc:picChg>
+      </pc:sldChg>
+    </pc:docChg>
+  </pc:docChgLst>
+  <pc:docChgLst>
+    <pc:chgData name="Malosree Maitra" userId="S::malosree.maitra@mail.mcgill.ca::8f9c36eb-6eee-475d-9222-9db764a484c1" providerId="AD" clId="Web-{EEA6405A-6F88-BA69-BB22-89F70D923DC8}"/>
+    <pc:docChg chg="modSld">
+      <pc:chgData name="Malosree Maitra" userId="S::malosree.maitra@mail.mcgill.ca::8f9c36eb-6eee-475d-9222-9db764a484c1" providerId="AD" clId="Web-{EEA6405A-6F88-BA69-BB22-89F70D923DC8}" dt="2022-02-02T21:13:55.192" v="1" actId="20577"/>
+      <pc:docMkLst>
+        <pc:docMk/>
+      </pc:docMkLst>
+      <pc:sldChg chg="modSp">
+        <pc:chgData name="Malosree Maitra" userId="S::malosree.maitra@mail.mcgill.ca::8f9c36eb-6eee-475d-9222-9db764a484c1" providerId="AD" clId="Web-{EEA6405A-6F88-BA69-BB22-89F70D923DC8}" dt="2022-02-02T21:13:55.192" v="1" actId="20577"/>
+        <pc:sldMkLst>
+          <pc:docMk/>
+          <pc:sldMk cId="0" sldId="256"/>
+        </pc:sldMkLst>
+        <pc:spChg chg="mod">
+          <ac:chgData name="Malosree Maitra" userId="S::malosree.maitra@mail.mcgill.ca::8f9c36eb-6eee-475d-9222-9db764a484c1" providerId="AD" clId="Web-{EEA6405A-6F88-BA69-BB22-89F70D923DC8}" dt="2022-02-02T21:13:55.192" v="1" actId="20577"/>
+          <ac:spMkLst>
+            <pc:docMk/>
+            <pc:sldMk cId="0" sldId="256"/>
+            <ac:spMk id="737" creationId="{00000000-0000-0000-0000-000000000000}"/>
+          </ac:spMkLst>
+        </pc:spChg>
+      </pc:sldChg>
+    </pc:docChg>
+  </pc:docChgLst>
+  <pc:docChgLst>
+    <pc:chgData name="Malosree Maitra" userId="S::malosree.maitra@mail.mcgill.ca::8f9c36eb-6eee-475d-9222-9db764a484c1" providerId="AD" clId="Web-{48C30845-14E9-6A23-EFD7-408835B229E7}"/>
+    <pc:docChg chg="modSld">
+      <pc:chgData name="Malosree Maitra" userId="S::malosree.maitra@mail.mcgill.ca::8f9c36eb-6eee-475d-9222-9db764a484c1" providerId="AD" clId="Web-{48C30845-14E9-6A23-EFD7-408835B229E7}" dt="2021-11-15T21:43:32.406" v="61"/>
+      <pc:docMkLst>
+        <pc:docMk/>
+      </pc:docMkLst>
+      <pc:sldChg chg="modSp">
+        <pc:chgData name="Malosree Maitra" userId="S::malosree.maitra@mail.mcgill.ca::8f9c36eb-6eee-475d-9222-9db764a484c1" providerId="AD" clId="Web-{48C30845-14E9-6A23-EFD7-408835B229E7}" dt="2021-11-15T21:42:50.374" v="19" actId="20577"/>
+        <pc:sldMkLst>
+          <pc:docMk/>
+          <pc:sldMk cId="2515671864" sldId="264"/>
+        </pc:sldMkLst>
+        <pc:spChg chg="mod">
+          <ac:chgData name="Malosree Maitra" userId="S::malosree.maitra@mail.mcgill.ca::8f9c36eb-6eee-475d-9222-9db764a484c1" providerId="AD" clId="Web-{48C30845-14E9-6A23-EFD7-408835B229E7}" dt="2021-11-15T21:42:50.374" v="19" actId="20577"/>
+          <ac:spMkLst>
+            <pc:docMk/>
+            <pc:sldMk cId="2515671864" sldId="264"/>
+            <ac:spMk id="3" creationId="{836B0D7E-22A7-457F-90F3-5564142BE703}"/>
+          </ac:spMkLst>
+        </pc:spChg>
+      </pc:sldChg>
+      <pc:sldChg chg="modSp">
+        <pc:chgData name="Malosree Maitra" userId="S::malosree.maitra@mail.mcgill.ca::8f9c36eb-6eee-475d-9222-9db764a484c1" providerId="AD" clId="Web-{48C30845-14E9-6A23-EFD7-408835B229E7}" dt="2021-11-15T21:43:32.406" v="61"/>
+        <pc:sldMkLst>
+          <pc:docMk/>
+          <pc:sldMk cId="3690728207" sldId="266"/>
+        </pc:sldMkLst>
+        <pc:spChg chg="mod">
+          <ac:chgData name="Malosree Maitra" userId="S::malosree.maitra@mail.mcgill.ca::8f9c36eb-6eee-475d-9222-9db764a484c1" providerId="AD" clId="Web-{48C30845-14E9-6A23-EFD7-408835B229E7}" dt="2021-11-15T21:43:32.406" v="61"/>
+          <ac:spMkLst>
+            <pc:docMk/>
+            <pc:sldMk cId="3690728207" sldId="266"/>
+            <ac:spMk id="3" creationId="{FAD9B110-241E-4AE1-B446-E342FFC612C7}"/>
+          </ac:spMkLst>
+        </pc:spChg>
+      </pc:sldChg>
+    </pc:docChg>
+  </pc:docChgLst>
+  <pc:docChgLst>
+    <pc:chgData name="Malosree Maitra" userId="S::malosree.maitra@mail.mcgill.ca::8f9c36eb-6eee-475d-9222-9db764a484c1" providerId="AD" clId="Web-{58D79527-1AAB-E6E9-6052-0BB2F5CF189E}"/>
+    <pc:docChg chg="addSld modSld">
+      <pc:chgData name="Malosree Maitra" userId="S::malosree.maitra@mail.mcgill.ca::8f9c36eb-6eee-475d-9222-9db764a484c1" providerId="AD" clId="Web-{58D79527-1AAB-E6E9-6052-0BB2F5CF189E}" dt="2021-11-19T16:51:02.703" v="122" actId="20577"/>
+      <pc:docMkLst>
+        <pc:docMk/>
+      </pc:docMkLst>
+      <pc:sldChg chg="modSp">
+        <pc:chgData name="Malosree Maitra" userId="S::malosree.maitra@mail.mcgill.ca::8f9c36eb-6eee-475d-9222-9db764a484c1" providerId="AD" clId="Web-{58D79527-1AAB-E6E9-6052-0BB2F5CF189E}" dt="2021-11-19T16:36:17.257" v="76" actId="20577"/>
+        <pc:sldMkLst>
+          <pc:docMk/>
+          <pc:sldMk cId="2212237892" sldId="265"/>
+        </pc:sldMkLst>
+        <pc:spChg chg="mod">
+          <ac:chgData name="Malosree Maitra" userId="S::malosree.maitra@mail.mcgill.ca::8f9c36eb-6eee-475d-9222-9db764a484c1" providerId="AD" clId="Web-{58D79527-1AAB-E6E9-6052-0BB2F5CF189E}" dt="2021-11-19T16:36:17.257" v="76" actId="20577"/>
+          <ac:spMkLst>
+            <pc:docMk/>
+            <pc:sldMk cId="2212237892" sldId="265"/>
+            <ac:spMk id="3" creationId="{AA7AE3DA-4533-47E7-AC7A-1C38BF4712F7}"/>
+          </ac:spMkLst>
+        </pc:spChg>
+      </pc:sldChg>
+      <pc:sldChg chg="modSp">
+        <pc:chgData name="Malosree Maitra" userId="S::malosree.maitra@mail.mcgill.ca::8f9c36eb-6eee-475d-9222-9db764a484c1" providerId="AD" clId="Web-{58D79527-1AAB-E6E9-6052-0BB2F5CF189E}" dt="2021-11-19T16:38:25.305" v="77" actId="20577"/>
+        <pc:sldMkLst>
+          <pc:docMk/>
+          <pc:sldMk cId="3690728207" sldId="266"/>
+        </pc:sldMkLst>
+        <pc:spChg chg="mod">
+          <ac:chgData name="Malosree Maitra" userId="S::malosree.maitra@mail.mcgill.ca::8f9c36eb-6eee-475d-9222-9db764a484c1" providerId="AD" clId="Web-{58D79527-1AAB-E6E9-6052-0BB2F5CF189E}" dt="2021-11-19T16:38:25.305" v="77" actId="20577"/>
+          <ac:spMkLst>
+            <pc:docMk/>
+            <pc:sldMk cId="3690728207" sldId="266"/>
+            <ac:spMk id="3" creationId="{FAD9B110-241E-4AE1-B446-E342FFC612C7}"/>
+          </ac:spMkLst>
+        </pc:spChg>
+      </pc:sldChg>
+      <pc:sldChg chg="modSp">
+        <pc:chgData name="Malosree Maitra" userId="S::malosree.maitra@mail.mcgill.ca::8f9c36eb-6eee-475d-9222-9db764a484c1" providerId="AD" clId="Web-{58D79527-1AAB-E6E9-6052-0BB2F5CF189E}" dt="2021-11-19T16:51:02.703" v="122" actId="20577"/>
+        <pc:sldMkLst>
+          <pc:docMk/>
+          <pc:sldMk cId="3560119381" sldId="267"/>
+        </pc:sldMkLst>
+        <pc:spChg chg="mod">
+          <ac:chgData name="Malosree Maitra" userId="S::malosree.maitra@mail.mcgill.ca::8f9c36eb-6eee-475d-9222-9db764a484c1" providerId="AD" clId="Web-{58D79527-1AAB-E6E9-6052-0BB2F5CF189E}" dt="2021-11-19T16:51:02.703" v="122" actId="20577"/>
+          <ac:spMkLst>
+            <pc:docMk/>
+            <pc:sldMk cId="3560119381" sldId="267"/>
+            <ac:spMk id="3" creationId="{15E440AF-A80C-468B-B831-633E42FE4939}"/>
+          </ac:spMkLst>
+        </pc:spChg>
+      </pc:sldChg>
+      <pc:sldChg chg="modSp">
+        <pc:chgData name="Malosree Maitra" userId="S::malosree.maitra@mail.mcgill.ca::8f9c36eb-6eee-475d-9222-9db764a484c1" providerId="AD" clId="Web-{58D79527-1AAB-E6E9-6052-0BB2F5CF189E}" dt="2021-11-19T16:47:38.654" v="94" actId="20577"/>
+        <pc:sldMkLst>
+          <pc:docMk/>
+          <pc:sldMk cId="1504987362" sldId="273"/>
+        </pc:sldMkLst>
+        <pc:spChg chg="mod">
+          <ac:chgData name="Malosree Maitra" userId="S::malosree.maitra@mail.mcgill.ca::8f9c36eb-6eee-475d-9222-9db764a484c1" providerId="AD" clId="Web-{58D79527-1AAB-E6E9-6052-0BB2F5CF189E}" dt="2021-11-19T16:47:38.654" v="94" actId="20577"/>
+          <ac:spMkLst>
+            <pc:docMk/>
+            <pc:sldMk cId="1504987362" sldId="273"/>
+            <ac:spMk id="2" creationId="{FE5AB953-4CB7-4869-B60A-F4A3454915BC}"/>
+          </ac:spMkLst>
+        </pc:spChg>
+      </pc:sldChg>
+      <pc:sldChg chg="addSp delSp modSp new">
+        <pc:chgData name="Malosree Maitra" userId="S::malosree.maitra@mail.mcgill.ca::8f9c36eb-6eee-475d-9222-9db764a484c1" providerId="AD" clId="Web-{58D79527-1AAB-E6E9-6052-0BB2F5CF189E}" dt="2021-11-19T16:35:15.350" v="63" actId="20577"/>
+        <pc:sldMkLst>
+          <pc:docMk/>
+          <pc:sldMk cId="2910973881" sldId="274"/>
+        </pc:sldMkLst>
+        <pc:spChg chg="del">
+          <ac:chgData name="Malosree Maitra" userId="S::malosree.maitra@mail.mcgill.ca::8f9c36eb-6eee-475d-9222-9db764a484c1" providerId="AD" clId="Web-{58D79527-1AAB-E6E9-6052-0BB2F5CF189E}" dt="2021-11-19T16:33:37.193" v="2"/>
+          <ac:spMkLst>
+            <pc:docMk/>
+            <pc:sldMk cId="2910973881" sldId="274"/>
+            <ac:spMk id="2" creationId="{7FA01587-9EDF-4DBF-B712-0C7BD8F30DBA}"/>
+          </ac:spMkLst>
+        </pc:spChg>
+        <pc:spChg chg="mod">
+          <ac:chgData name="Malosree Maitra" userId="S::malosree.maitra@mail.mcgill.ca::8f9c36eb-6eee-475d-9222-9db764a484c1" providerId="AD" clId="Web-{58D79527-1AAB-E6E9-6052-0BB2F5CF189E}" dt="2021-11-19T16:35:15.350" v="63" actId="20577"/>
+          <ac:spMkLst>
+            <pc:docMk/>
+            <pc:sldMk cId="2910973881" sldId="274"/>
+            <ac:spMk id="3" creationId="{7C2CDC48-8371-449B-A979-196C41DB963B}"/>
+          </ac:spMkLst>
+        </pc:spChg>
+        <pc:spChg chg="add mod">
+          <ac:chgData name="Malosree Maitra" userId="S::malosree.maitra@mail.mcgill.ca::8f9c36eb-6eee-475d-9222-9db764a484c1" providerId="AD" clId="Web-{58D79527-1AAB-E6E9-6052-0BB2F5CF189E}" dt="2021-11-19T16:33:40.427" v="3" actId="1076"/>
+          <ac:spMkLst>
+            <pc:docMk/>
+            <pc:sldMk cId="2910973881" sldId="274"/>
+            <ac:spMk id="5" creationId="{3F253900-B7D1-421C-94F6-257B96C1A563}"/>
+          </ac:spMkLst>
+        </pc:spChg>
+      </pc:sldChg>
+    </pc:docChg>
+  </pc:docChgLst>
+  <pc:docChgLst>
+    <pc:chgData name="Malosree Maitra" userId="S::malosree.maitra@mail.mcgill.ca::8f9c36eb-6eee-475d-9222-9db764a484c1" providerId="AD" clId="Web-{7521BD6B-0DE4-FA55-D79E-766B31FAD6B9}"/>
+    <pc:docChg chg="modSld">
+      <pc:chgData name="Malosree Maitra" userId="S::malosree.maitra@mail.mcgill.ca::8f9c36eb-6eee-475d-9222-9db764a484c1" providerId="AD" clId="Web-{7521BD6B-0DE4-FA55-D79E-766B31FAD6B9}" dt="2021-11-18T16:46:02.710" v="352"/>
+      <pc:docMkLst>
+        <pc:docMk/>
+      </pc:docMkLst>
+      <pc:sldChg chg="modSp">
+        <pc:chgData name="Malosree Maitra" userId="S::malosree.maitra@mail.mcgill.ca::8f9c36eb-6eee-475d-9222-9db764a484c1" providerId="AD" clId="Web-{7521BD6B-0DE4-FA55-D79E-766B31FAD6B9}" dt="2021-11-18T16:41:05.815" v="74" actId="20577"/>
+        <pc:sldMkLst>
+          <pc:docMk/>
+          <pc:sldMk cId="2515671864" sldId="264"/>
+        </pc:sldMkLst>
+        <pc:spChg chg="mod">
+          <ac:chgData name="Malosree Maitra" userId="S::malosree.maitra@mail.mcgill.ca::8f9c36eb-6eee-475d-9222-9db764a484c1" providerId="AD" clId="Web-{7521BD6B-0DE4-FA55-D79E-766B31FAD6B9}" dt="2021-11-18T16:41:05.815" v="74" actId="20577"/>
+          <ac:spMkLst>
+            <pc:docMk/>
+            <pc:sldMk cId="2515671864" sldId="264"/>
+            <ac:spMk id="3" creationId="{836B0D7E-22A7-457F-90F3-5564142BE703}"/>
+          </ac:spMkLst>
+        </pc:spChg>
+      </pc:sldChg>
+      <pc:sldChg chg="modSp modNotes">
+        <pc:chgData name="Malosree Maitra" userId="S::malosree.maitra@mail.mcgill.ca::8f9c36eb-6eee-475d-9222-9db764a484c1" providerId="AD" clId="Web-{7521BD6B-0DE4-FA55-D79E-766B31FAD6B9}" dt="2021-11-18T16:46:02.710" v="352"/>
+        <pc:sldMkLst>
+          <pc:docMk/>
+          <pc:sldMk cId="2212237892" sldId="265"/>
+        </pc:sldMkLst>
+        <pc:spChg chg="mod">
+          <ac:chgData name="Malosree Maitra" userId="S::malosree.maitra@mail.mcgill.ca::8f9c36eb-6eee-475d-9222-9db764a484c1" providerId="AD" clId="Web-{7521BD6B-0DE4-FA55-D79E-766B31FAD6B9}" dt="2021-11-18T16:46:02.710" v="352"/>
+          <ac:spMkLst>
+            <pc:docMk/>
+            <pc:sldMk cId="2212237892" sldId="265"/>
+            <ac:spMk id="3" creationId="{AA7AE3DA-4533-47E7-AC7A-1C38BF4712F7}"/>
+          </ac:spMkLst>
+        </pc:spChg>
+      </pc:sldChg>
+      <pc:sldChg chg="modSp">
+        <pc:chgData name="Malosree Maitra" userId="S::malosree.maitra@mail.mcgill.ca::8f9c36eb-6eee-475d-9222-9db764a484c1" providerId="AD" clId="Web-{7521BD6B-0DE4-FA55-D79E-766B31FAD6B9}" dt="2021-11-18T16:41:47.253" v="83" actId="20577"/>
+        <pc:sldMkLst>
+          <pc:docMk/>
+          <pc:sldMk cId="1174859885" sldId="271"/>
+        </pc:sldMkLst>
+        <pc:spChg chg="mod">
+          <ac:chgData name="Malosree Maitra" userId="S::malosree.maitra@mail.mcgill.ca::8f9c36eb-6eee-475d-9222-9db764a484c1" providerId="AD" clId="Web-{7521BD6B-0DE4-FA55-D79E-766B31FAD6B9}" dt="2021-11-18T16:41:47.253" v="83" actId="20577"/>
+          <ac:spMkLst>
+            <pc:docMk/>
+            <pc:sldMk cId="1174859885" sldId="271"/>
+            <ac:spMk id="3" creationId="{103D8E6C-3685-4836-94D6-EF2707046D6F}"/>
+          </ac:spMkLst>
+        </pc:spChg>
+      </pc:sldChg>
+    </pc:docChg>
+  </pc:docChgLst>
+  <pc:docChgLst>
+    <pc:chgData name="Haruka Mitsuhashi" userId="cad9d2e5-3ea3-4f02-9a90-40fb75fca6e0" providerId="ADAL" clId="{C5410277-0FEF-AF4F-B466-13B323046206}"/>
+    <pc:docChg chg="modSld">
+      <pc:chgData name="Haruka Mitsuhashi" userId="cad9d2e5-3ea3-4f02-9a90-40fb75fca6e0" providerId="ADAL" clId="{C5410277-0FEF-AF4F-B466-13B323046206}" dt="2022-01-05T16:18:22.499" v="1" actId="255"/>
+      <pc:docMkLst>
+        <pc:docMk/>
+      </pc:docMkLst>
+      <pc:sldChg chg="modSp mod">
+        <pc:chgData name="Haruka Mitsuhashi" userId="cad9d2e5-3ea3-4f02-9a90-40fb75fca6e0" providerId="ADAL" clId="{C5410277-0FEF-AF4F-B466-13B323046206}" dt="2022-01-05T16:18:22.499" v="1" actId="255"/>
+        <pc:sldMkLst>
+          <pc:docMk/>
+          <pc:sldMk cId="3888621480" sldId="275"/>
+        </pc:sldMkLst>
+        <pc:spChg chg="mod">
+          <ac:chgData name="Haruka Mitsuhashi" userId="cad9d2e5-3ea3-4f02-9a90-40fb75fca6e0" providerId="ADAL" clId="{C5410277-0FEF-AF4F-B466-13B323046206}" dt="2022-01-05T16:18:22.499" v="1" actId="255"/>
+          <ac:spMkLst>
+            <pc:docMk/>
+            <pc:sldMk cId="3888621480" sldId="275"/>
+            <ac:spMk id="3" creationId="{7C2CDC48-8371-449B-A979-196C41DB963B}"/>
+          </ac:spMkLst>
+        </pc:spChg>
+      </pc:sldChg>
+      <pc:sldChg chg="modSp mod">
+        <pc:chgData name="Haruka Mitsuhashi" userId="cad9d2e5-3ea3-4f02-9a90-40fb75fca6e0" providerId="ADAL" clId="{C5410277-0FEF-AF4F-B466-13B323046206}" dt="2022-01-05T16:18:05.112" v="0" actId="255"/>
+        <pc:sldMkLst>
+          <pc:docMk/>
+          <pc:sldMk cId="2414804386" sldId="276"/>
+        </pc:sldMkLst>
+        <pc:spChg chg="mod">
+          <ac:chgData name="Haruka Mitsuhashi" userId="cad9d2e5-3ea3-4f02-9a90-40fb75fca6e0" providerId="ADAL" clId="{C5410277-0FEF-AF4F-B466-13B323046206}" dt="2022-01-05T16:18:05.112" v="0" actId="255"/>
+          <ac:spMkLst>
+            <pc:docMk/>
+            <pc:sldMk cId="2414804386" sldId="276"/>
+            <ac:spMk id="3" creationId="{7C2CDC48-8371-449B-A979-196C41DB963B}"/>
+          </ac:spMkLst>
+        </pc:spChg>
+      </pc:sldChg>
+    </pc:docChg>
+  </pc:docChgLst>
+  <pc:docChgLst>
+    <pc:chgData name="Malosree Maitra" userId="S::malosree.maitra@mail.mcgill.ca::8f9c36eb-6eee-475d-9222-9db764a484c1" providerId="AD" clId="Web-{2645201B-10A8-8439-EA5B-EB578B20E6CD}"/>
+    <pc:docChg chg="addSld delSld modSld sldOrd">
+      <pc:chgData name="Malosree Maitra" userId="S::malosree.maitra@mail.mcgill.ca::8f9c36eb-6eee-475d-9222-9db764a484c1" providerId="AD" clId="Web-{2645201B-10A8-8439-EA5B-EB578B20E6CD}" dt="2022-01-05T15:23:03.306" v="144"/>
+      <pc:docMkLst>
+        <pc:docMk/>
+      </pc:docMkLst>
+      <pc:sldChg chg="ord">
+        <pc:chgData name="Malosree Maitra" userId="S::malosree.maitra@mail.mcgill.ca::8f9c36eb-6eee-475d-9222-9db764a484c1" providerId="AD" clId="Web-{2645201B-10A8-8439-EA5B-EB578B20E6CD}" dt="2022-01-05T15:19:14.289" v="70"/>
+        <pc:sldMkLst>
+          <pc:docMk/>
+          <pc:sldMk cId="1174859885" sldId="271"/>
+        </pc:sldMkLst>
+      </pc:sldChg>
+      <pc:sldChg chg="modSp ord">
+        <pc:chgData name="Malosree Maitra" userId="S::malosree.maitra@mail.mcgill.ca::8f9c36eb-6eee-475d-9222-9db764a484c1" providerId="AD" clId="Web-{2645201B-10A8-8439-EA5B-EB578B20E6CD}" dt="2022-01-05T15:23:03.306" v="144"/>
+        <pc:sldMkLst>
+          <pc:docMk/>
+          <pc:sldMk cId="3516444854" sldId="277"/>
+        </pc:sldMkLst>
+        <pc:spChg chg="mod">
+          <ac:chgData name="Malosree Maitra" userId="S::malosree.maitra@mail.mcgill.ca::8f9c36eb-6eee-475d-9222-9db764a484c1" providerId="AD" clId="Web-{2645201B-10A8-8439-EA5B-EB578B20E6CD}" dt="2022-01-05T15:23:03.306" v="144"/>
+          <ac:spMkLst>
+            <pc:docMk/>
+            <pc:sldMk cId="3516444854" sldId="277"/>
+            <ac:spMk id="3" creationId="{103D8E6C-3685-4836-94D6-EF2707046D6F}"/>
+          </ac:spMkLst>
+        </pc:spChg>
+      </pc:sldChg>
+      <pc:sldChg chg="ord">
+        <pc:chgData name="Malosree Maitra" userId="S::malosree.maitra@mail.mcgill.ca::8f9c36eb-6eee-475d-9222-9db764a484c1" providerId="AD" clId="Web-{2645201B-10A8-8439-EA5B-EB578B20E6CD}" dt="2022-01-05T15:19:14.289" v="69"/>
+        <pc:sldMkLst>
+          <pc:docMk/>
+          <pc:sldMk cId="2536129650" sldId="278"/>
+        </pc:sldMkLst>
+      </pc:sldChg>
+      <pc:sldChg chg="new del">
+        <pc:chgData name="Malosree Maitra" userId="S::malosree.maitra@mail.mcgill.ca::8f9c36eb-6eee-475d-9222-9db764a484c1" providerId="AD" clId="Web-{2645201B-10A8-8439-EA5B-EB578B20E6CD}" dt="2022-01-05T15:16:00.335" v="1"/>
+        <pc:sldMkLst>
+          <pc:docMk/>
+          <pc:sldMk cId="943711095" sldId="280"/>
+        </pc:sldMkLst>
+      </pc:sldChg>
+      <pc:sldChg chg="add replId">
+        <pc:chgData name="Malosree Maitra" userId="S::malosree.maitra@mail.mcgill.ca::8f9c36eb-6eee-475d-9222-9db764a484c1" providerId="AD" clId="Web-{2645201B-10A8-8439-EA5B-EB578B20E6CD}" dt="2022-01-05T15:16:02.148" v="2"/>
+        <pc:sldMkLst>
+          <pc:docMk/>
+          <pc:sldMk cId="3462884166" sldId="280"/>
+        </pc:sldMkLst>
+      </pc:sldChg>
+    </pc:docChg>
+  </pc:docChgLst>
+  <pc:docChgLst>
+    <pc:chgData name="Malosree Maitra" userId="S::malosree.maitra@mail.mcgill.ca::8f9c36eb-6eee-475d-9222-9db764a484c1" providerId="AD" clId="Web-{86C81C0C-CAC6-2668-FBC0-56F241B17A39}"/>
+    <pc:docChg chg="modSld">
+      <pc:chgData name="Malosree Maitra" userId="S::malosree.maitra@mail.mcgill.ca::8f9c36eb-6eee-475d-9222-9db764a484c1" providerId="AD" clId="Web-{86C81C0C-CAC6-2668-FBC0-56F241B17A39}" dt="2022-01-05T01:02:18.971" v="146" actId="20577"/>
+      <pc:docMkLst>
+        <pc:docMk/>
+      </pc:docMkLst>
+      <pc:sldChg chg="modSp">
+        <pc:chgData name="Malosree Maitra" userId="S::malosree.maitra@mail.mcgill.ca::8f9c36eb-6eee-475d-9222-9db764a484c1" providerId="AD" clId="Web-{86C81C0C-CAC6-2668-FBC0-56F241B17A39}" dt="2022-01-05T01:02:18.971" v="146" actId="20577"/>
+        <pc:sldMkLst>
+          <pc:docMk/>
+          <pc:sldMk cId="2537507375" sldId="272"/>
+        </pc:sldMkLst>
+        <pc:spChg chg="mod">
+          <ac:chgData name="Malosree Maitra" userId="S::malosree.maitra@mail.mcgill.ca::8f9c36eb-6eee-475d-9222-9db764a484c1" providerId="AD" clId="Web-{86C81C0C-CAC6-2668-FBC0-56F241B17A39}" dt="2022-01-05T01:02:18.971" v="146" actId="20577"/>
+          <ac:spMkLst>
+            <pc:docMk/>
+            <pc:sldMk cId="2537507375" sldId="272"/>
+            <ac:spMk id="3" creationId="{3A5DE77B-248F-472A-9BFB-78F2C02868C1}"/>
+          </ac:spMkLst>
+        </pc:spChg>
+      </pc:sldChg>
+    </pc:docChg>
+  </pc:docChgLst>
+  <pc:docChgLst>
+    <pc:chgData name="Malosree Maitra" userId="S::malosree.maitra@mail.mcgill.ca::8f9c36eb-6eee-475d-9222-9db764a484c1" providerId="AD" clId="Web-{45A9F25C-CE56-7980-7A92-93D7C0BAC75E}"/>
+    <pc:docChg chg="addSld delSld modSld">
+      <pc:chgData name="Malosree Maitra" userId="S::malosree.maitra@mail.mcgill.ca::8f9c36eb-6eee-475d-9222-9db764a484c1" providerId="AD" clId="Web-{45A9F25C-CE56-7980-7A92-93D7C0BAC75E}" dt="2022-01-10T18:08:28.055" v="262" actId="20577"/>
+      <pc:docMkLst>
+        <pc:docMk/>
+      </pc:docMkLst>
+      <pc:sldChg chg="delSp modSp">
+        <pc:chgData name="Malosree Maitra" userId="S::malosree.maitra@mail.mcgill.ca::8f9c36eb-6eee-475d-9222-9db764a484c1" providerId="AD" clId="Web-{45A9F25C-CE56-7980-7A92-93D7C0BAC75E}" dt="2022-01-10T17:35:52.668" v="98" actId="14100"/>
+        <pc:sldMkLst>
+          <pc:docMk/>
+          <pc:sldMk cId="3560119381" sldId="267"/>
+        </pc:sldMkLst>
+        <pc:spChg chg="mod">
+          <ac:chgData name="Malosree Maitra" userId="S::malosree.maitra@mail.mcgill.ca::8f9c36eb-6eee-475d-9222-9db764a484c1" providerId="AD" clId="Web-{45A9F25C-CE56-7980-7A92-93D7C0BAC75E}" dt="2022-01-10T17:35:33.996" v="94" actId="20577"/>
+          <ac:spMkLst>
+            <pc:docMk/>
+            <pc:sldMk cId="3560119381" sldId="267"/>
+            <ac:spMk id="3" creationId="{15E440AF-A80C-468B-B831-633E42FE4939}"/>
+          </ac:spMkLst>
+        </pc:spChg>
+        <pc:spChg chg="del mod">
+          <ac:chgData name="Malosree Maitra" userId="S::malosree.maitra@mail.mcgill.ca::8f9c36eb-6eee-475d-9222-9db764a484c1" providerId="AD" clId="Web-{45A9F25C-CE56-7980-7A92-93D7C0BAC75E}" dt="2022-01-10T17:35:45.761" v="96"/>
+          <ac:spMkLst>
+            <pc:docMk/>
+            <pc:sldMk cId="3560119381" sldId="267"/>
+            <ac:spMk id="7" creationId="{A6DE92A6-3465-4B3B-9B01-29E68E2D256C}"/>
+          </ac:spMkLst>
+        </pc:spChg>
+        <pc:picChg chg="del">
+          <ac:chgData name="Malosree Maitra" userId="S::malosree.maitra@mail.mcgill.ca::8f9c36eb-6eee-475d-9222-9db764a484c1" providerId="AD" clId="Web-{45A9F25C-CE56-7980-7A92-93D7C0BAC75E}" dt="2022-01-10T17:33:11.338" v="1"/>
+          <ac:picMkLst>
+            <pc:docMk/>
+            <pc:sldMk cId="3560119381" sldId="267"/>
+            <ac:picMk id="4098" creationId="{475BC491-286E-471E-9906-7DDF1860809D}"/>
+          </ac:picMkLst>
+        </pc:picChg>
+        <pc:picChg chg="mod">
+          <ac:chgData name="Malosree Maitra" userId="S::malosree.maitra@mail.mcgill.ca::8f9c36eb-6eee-475d-9222-9db764a484c1" providerId="AD" clId="Web-{45A9F25C-CE56-7980-7A92-93D7C0BAC75E}" dt="2022-01-10T17:35:52.668" v="98" actId="14100"/>
+          <ac:picMkLst>
+            <pc:docMk/>
+            <pc:sldMk cId="3560119381" sldId="267"/>
+            <ac:picMk id="4100" creationId="{D9BFF674-32FF-4AC3-B664-626361E97E8C}"/>
+          </ac:picMkLst>
+        </pc:picChg>
+      </pc:sldChg>
+      <pc:sldChg chg="delSp modSp add replId">
+        <pc:chgData name="Malosree Maitra" userId="S::malosree.maitra@mail.mcgill.ca::8f9c36eb-6eee-475d-9222-9db764a484c1" providerId="AD" clId="Web-{45A9F25C-CE56-7980-7A92-93D7C0BAC75E}" dt="2022-01-10T17:34:33.558" v="63" actId="20577"/>
+        <pc:sldMkLst>
+          <pc:docMk/>
+          <pc:sldMk cId="1206802309" sldId="284"/>
+        </pc:sldMkLst>
+        <pc:spChg chg="mod">
+          <ac:chgData name="Malosree Maitra" userId="S::malosree.maitra@mail.mcgill.ca::8f9c36eb-6eee-475d-9222-9db764a484c1" providerId="AD" clId="Web-{45A9F25C-CE56-7980-7A92-93D7C0BAC75E}" dt="2022-01-10T17:34:33.558" v="63" actId="20577"/>
+          <ac:spMkLst>
+            <pc:docMk/>
+            <pc:sldMk cId="1206802309" sldId="284"/>
+            <ac:spMk id="3" creationId="{15E440AF-A80C-468B-B831-633E42FE4939}"/>
+          </ac:spMkLst>
+        </pc:spChg>
+        <pc:spChg chg="mod">
+          <ac:chgData name="Malosree Maitra" userId="S::malosree.maitra@mail.mcgill.ca::8f9c36eb-6eee-475d-9222-9db764a484c1" providerId="AD" clId="Web-{45A9F25C-CE56-7980-7A92-93D7C0BAC75E}" dt="2022-01-10T17:34:20.698" v="62" actId="1076"/>
+          <ac:spMkLst>
+            <pc:docMk/>
+            <pc:sldMk cId="1206802309" sldId="284"/>
+            <ac:spMk id="7" creationId="{A6DE92A6-3465-4B3B-9B01-29E68E2D256C}"/>
+          </ac:spMkLst>
+        </pc:spChg>
+        <pc:picChg chg="mod">
+          <ac:chgData name="Malosree Maitra" userId="S::malosree.maitra@mail.mcgill.ca::8f9c36eb-6eee-475d-9222-9db764a484c1" providerId="AD" clId="Web-{45A9F25C-CE56-7980-7A92-93D7C0BAC75E}" dt="2022-01-10T17:34:17.448" v="61" actId="1076"/>
+          <ac:picMkLst>
+            <pc:docMk/>
+            <pc:sldMk cId="1206802309" sldId="284"/>
+            <ac:picMk id="4098" creationId="{475BC491-286E-471E-9906-7DDF1860809D}"/>
+          </ac:picMkLst>
+        </pc:picChg>
+        <pc:picChg chg="del">
+          <ac:chgData name="Malosree Maitra" userId="S::malosree.maitra@mail.mcgill.ca::8f9c36eb-6eee-475d-9222-9db764a484c1" providerId="AD" clId="Web-{45A9F25C-CE56-7980-7A92-93D7C0BAC75E}" dt="2022-01-10T17:33:18.776" v="4"/>
+          <ac:picMkLst>
+            <pc:docMk/>
+            <pc:sldMk cId="1206802309" sldId="284"/>
+            <ac:picMk id="4100" creationId="{D9BFF674-32FF-4AC3-B664-626361E97E8C}"/>
+          </ac:picMkLst>
+        </pc:picChg>
+      </pc:sldChg>
+      <pc:sldChg chg="add del replId">
+        <pc:chgData name="Malosree Maitra" userId="S::malosree.maitra@mail.mcgill.ca::8f9c36eb-6eee-475d-9222-9db764a484c1" providerId="AD" clId="Web-{45A9F25C-CE56-7980-7A92-93D7C0BAC75E}" dt="2022-01-10T17:35:03.745" v="67"/>
+        <pc:sldMkLst>
+          <pc:docMk/>
+          <pc:sldMk cId="1873383113" sldId="285"/>
+        </pc:sldMkLst>
+      </pc:sldChg>
+      <pc:sldChg chg="addSp modSp new">
+        <pc:chgData name="Malosree Maitra" userId="S::malosree.maitra@mail.mcgill.ca::8f9c36eb-6eee-475d-9222-9db764a484c1" providerId="AD" clId="Web-{45A9F25C-CE56-7980-7A92-93D7C0BAC75E}" dt="2022-01-10T18:08:28.055" v="262" actId="20577"/>
+        <pc:sldMkLst>
+          <pc:docMk/>
+          <pc:sldMk cId="3278402273" sldId="285"/>
+        </pc:sldMkLst>
+        <pc:spChg chg="mod">
+          <ac:chgData name="Malosree Maitra" userId="S::malosree.maitra@mail.mcgill.ca::8f9c36eb-6eee-475d-9222-9db764a484c1" providerId="AD" clId="Web-{45A9F25C-CE56-7980-7A92-93D7C0BAC75E}" dt="2022-01-10T18:03:32.317" v="101" actId="20577"/>
+          <ac:spMkLst>
+            <pc:docMk/>
+            <pc:sldMk cId="3278402273" sldId="285"/>
+            <ac:spMk id="2" creationId="{99E83D1F-168E-477F-9EDF-C8991D8F1101}"/>
+          </ac:spMkLst>
+        </pc:spChg>
+        <pc:spChg chg="mod">
+          <ac:chgData name="Malosree Maitra" userId="S::malosree.maitra@mail.mcgill.ca::8f9c36eb-6eee-475d-9222-9db764a484c1" providerId="AD" clId="Web-{45A9F25C-CE56-7980-7A92-93D7C0BAC75E}" dt="2022-01-10T18:04:02.333" v="164" actId="20577"/>
+          <ac:spMkLst>
+            <pc:docMk/>
+            <pc:sldMk cId="3278402273" sldId="285"/>
+            <ac:spMk id="3" creationId="{9F9F3B34-F528-46AE-922B-FAAC304F3253}"/>
+          </ac:spMkLst>
+        </pc:spChg>
+        <pc:spChg chg="add mod">
+          <ac:chgData name="Malosree Maitra" userId="S::malosree.maitra@mail.mcgill.ca::8f9c36eb-6eee-475d-9222-9db764a484c1" providerId="AD" clId="Web-{45A9F25C-CE56-7980-7A92-93D7C0BAC75E}" dt="2022-01-10T18:07:32.710" v="215" actId="1076"/>
+          <ac:spMkLst>
+            <pc:docMk/>
+            <pc:sldMk cId="3278402273" sldId="285"/>
+            <ac:spMk id="8" creationId="{B6F7481D-9419-438C-9BA9-0E111D66646B}"/>
+          </ac:spMkLst>
+        </pc:spChg>
+        <pc:spChg chg="add mod">
+          <ac:chgData name="Malosree Maitra" userId="S::malosree.maitra@mail.mcgill.ca::8f9c36eb-6eee-475d-9222-9db764a484c1" providerId="AD" clId="Web-{45A9F25C-CE56-7980-7A92-93D7C0BAC75E}" dt="2022-01-10T18:07:49.773" v="222" actId="1076"/>
+          <ac:spMkLst>
+            <pc:docMk/>
+            <pc:sldMk cId="3278402273" sldId="285"/>
+            <ac:spMk id="9" creationId="{9C6CDFBE-4FA7-47E1-93A2-919C4A9D1B19}"/>
+          </ac:spMkLst>
+        </pc:spChg>
+        <pc:spChg chg="add mod">
+          <ac:chgData name="Malosree Maitra" userId="S::malosree.maitra@mail.mcgill.ca::8f9c36eb-6eee-475d-9222-9db764a484c1" providerId="AD" clId="Web-{45A9F25C-CE56-7980-7A92-93D7C0BAC75E}" dt="2022-01-10T18:08:28.055" v="262" actId="20577"/>
+          <ac:spMkLst>
+            <pc:docMk/>
+            <pc:sldMk cId="3278402273" sldId="285"/>
+            <ac:spMk id="10" creationId="{4A8B5324-5F48-4B90-A91D-9EE027E305C7}"/>
+          </ac:spMkLst>
+        </pc:spChg>
+        <pc:picChg chg="add mod">
+          <ac:chgData name="Malosree Maitra" userId="S::malosree.maitra@mail.mcgill.ca::8f9c36eb-6eee-475d-9222-9db764a484c1" providerId="AD" clId="Web-{45A9F25C-CE56-7980-7A92-93D7C0BAC75E}" dt="2022-01-10T18:07:01.616" v="178" actId="1076"/>
+          <ac:picMkLst>
+            <pc:docMk/>
+            <pc:sldMk cId="3278402273" sldId="285"/>
+            <ac:picMk id="4" creationId="{DAA0A9FB-BF91-4E9B-AF37-3898DAFE07E1}"/>
+          </ac:picMkLst>
+        </pc:picChg>
+        <pc:picChg chg="add mod">
+          <ac:chgData name="Malosree Maitra" userId="S::malosree.maitra@mail.mcgill.ca::8f9c36eb-6eee-475d-9222-9db764a484c1" providerId="AD" clId="Web-{45A9F25C-CE56-7980-7A92-93D7C0BAC75E}" dt="2022-01-10T18:07:03.741" v="179" actId="1076"/>
+          <ac:picMkLst>
+            <pc:docMk/>
+            <pc:sldMk cId="3278402273" sldId="285"/>
+            <ac:picMk id="5" creationId="{8B8701FF-B104-4901-9CC8-9488AC2D2796}"/>
+          </ac:picMkLst>
+        </pc:picChg>
+        <pc:picChg chg="add mod">
+          <ac:chgData name="Malosree Maitra" userId="S::malosree.maitra@mail.mcgill.ca::8f9c36eb-6eee-475d-9222-9db764a484c1" providerId="AD" clId="Web-{45A9F25C-CE56-7980-7A92-93D7C0BAC75E}" dt="2022-01-10T18:07:07.320" v="180" actId="1076"/>
+          <ac:picMkLst>
+            <pc:docMk/>
+            <pc:sldMk cId="3278402273" sldId="285"/>
+            <ac:picMk id="6" creationId="{377E83FC-FEE0-4CC5-8026-E106A966389E}"/>
+          </ac:picMkLst>
+        </pc:picChg>
+      </pc:sldChg>
+    </pc:docChg>
+  </pc:docChgLst>
+  <pc:docChgLst>
+    <pc:chgData name="Malosree Maitra" userId="S::malosree.maitra@mail.mcgill.ca::8f9c36eb-6eee-475d-9222-9db764a484c1" providerId="AD" clId="Web-{F80E202A-EE77-958B-C7FD-5D6520F0BDD9}"/>
+    <pc:docChg chg="modSld">
+      <pc:chgData name="Malosree Maitra" userId="S::malosree.maitra@mail.mcgill.ca::8f9c36eb-6eee-475d-9222-9db764a484c1" providerId="AD" clId="Web-{F80E202A-EE77-958B-C7FD-5D6520F0BDD9}" dt="2022-01-28T20:53:46.466" v="0" actId="20577"/>
+      <pc:docMkLst>
+        <pc:docMk/>
+      </pc:docMkLst>
+      <pc:sldChg chg="modSp">
+        <pc:chgData name="Malosree Maitra" userId="S::malosree.maitra@mail.mcgill.ca::8f9c36eb-6eee-475d-9222-9db764a484c1" providerId="AD" clId="Web-{F80E202A-EE77-958B-C7FD-5D6520F0BDD9}" dt="2022-01-28T20:53:46.466" v="0" actId="20577"/>
+        <pc:sldMkLst>
+          <pc:docMk/>
+          <pc:sldMk cId="3888621480" sldId="275"/>
+        </pc:sldMkLst>
+        <pc:spChg chg="mod">
+          <ac:chgData name="Malosree Maitra" userId="S::malosree.maitra@mail.mcgill.ca::8f9c36eb-6eee-475d-9222-9db764a484c1" providerId="AD" clId="Web-{F80E202A-EE77-958B-C7FD-5D6520F0BDD9}" dt="2022-01-28T20:53:46.466" v="0" actId="20577"/>
+          <ac:spMkLst>
+            <pc:docMk/>
+            <pc:sldMk cId="3888621480" sldId="275"/>
+            <ac:spMk id="3" creationId="{7C2CDC48-8371-449B-A979-196C41DB963B}"/>
+          </ac:spMkLst>
+        </pc:spChg>
+      </pc:sldChg>
+    </pc:docChg>
+  </pc:docChgLst>
+  <pc:docChgLst>
+    <pc:chgData name="Malosree Maitra" userId="S::malosree.maitra@mail.mcgill.ca::8f9c36eb-6eee-475d-9222-9db764a484c1" providerId="AD" clId="Web-{8CF83CED-8810-A3A6-C90E-E465C9526550}"/>
+    <pc:docChg chg="modSld">
+      <pc:chgData name="Malosree Maitra" userId="S::malosree.maitra@mail.mcgill.ca::8f9c36eb-6eee-475d-9222-9db764a484c1" providerId="AD" clId="Web-{8CF83CED-8810-A3A6-C90E-E465C9526550}" dt="2022-01-10T18:39:56.446" v="0"/>
+      <pc:docMkLst>
+        <pc:docMk/>
+      </pc:docMkLst>
+      <pc:sldChg chg="modSp">
+        <pc:chgData name="Malosree Maitra" userId="S::malosree.maitra@mail.mcgill.ca::8f9c36eb-6eee-475d-9222-9db764a484c1" providerId="AD" clId="Web-{8CF83CED-8810-A3A6-C90E-E465C9526550}" dt="2022-01-10T18:39:56.446" v="0"/>
+        <pc:sldMkLst>
+          <pc:docMk/>
+          <pc:sldMk cId="3888621480" sldId="275"/>
+        </pc:sldMkLst>
+        <pc:spChg chg="mod">
+          <ac:chgData name="Malosree Maitra" userId="S::malosree.maitra@mail.mcgill.ca::8f9c36eb-6eee-475d-9222-9db764a484c1" providerId="AD" clId="Web-{8CF83CED-8810-A3A6-C90E-E465C9526550}" dt="2022-01-10T18:39:56.446" v="0"/>
+          <ac:spMkLst>
+            <pc:docMk/>
+            <pc:sldMk cId="3888621480" sldId="275"/>
+            <ac:spMk id="3" creationId="{7C2CDC48-8371-449B-A979-196C41DB963B}"/>
+          </ac:spMkLst>
+        </pc:spChg>
+      </pc:sldChg>
+    </pc:docChg>
+  </pc:docChgLst>
+  <pc:docChgLst>
+    <pc:chgData name="Jason Da Silva Castanheira" userId="S::jason.dasilvacastanheira@mail.mcgill.ca::8bb028ac-99c1-4291-bb1e-644b68120d4f" providerId="AD" clId="Web-{62AD2DF2-B5C1-4A22-C4E2-563D04AE0495}"/>
+    <pc:docChg chg="mod modSld">
+      <pc:chgData name="Jason Da Silva Castanheira" userId="S::jason.dasilvacastanheira@mail.mcgill.ca::8bb028ac-99c1-4291-bb1e-644b68120d4f" providerId="AD" clId="Web-{62AD2DF2-B5C1-4A22-C4E2-563D04AE0495}" dt="2022-01-10T16:13:58.126" v="16"/>
+      <pc:docMkLst>
+        <pc:docMk/>
+      </pc:docMkLst>
+      <pc:sldChg chg="addCm">
+        <pc:chgData name="Jason Da Silva Castanheira" userId="S::jason.dasilvacastanheira@mail.mcgill.ca::8bb028ac-99c1-4291-bb1e-644b68120d4f" providerId="AD" clId="Web-{62AD2DF2-B5C1-4A22-C4E2-563D04AE0495}" dt="2022-01-10T15:52:44.523" v="1"/>
+        <pc:sldMkLst>
+          <pc:docMk/>
+          <pc:sldMk cId="0" sldId="257"/>
+        </pc:sldMkLst>
+      </pc:sldChg>
+      <pc:sldChg chg="modSp addCm">
+        <pc:chgData name="Jason Da Silva Castanheira" userId="S::jason.dasilvacastanheira@mail.mcgill.ca::8bb028ac-99c1-4291-bb1e-644b68120d4f" providerId="AD" clId="Web-{62AD2DF2-B5C1-4A22-C4E2-563D04AE0495}" dt="2022-01-10T16:13:58.126" v="16"/>
+        <pc:sldMkLst>
+          <pc:docMk/>
+          <pc:sldMk cId="3787940990" sldId="263"/>
+        </pc:sldMkLst>
+        <pc:picChg chg="mod">
+          <ac:chgData name="Jason Da Silva Castanheira" userId="S::jason.dasilvacastanheira@mail.mcgill.ca::8bb028ac-99c1-4291-bb1e-644b68120d4f" providerId="AD" clId="Web-{62AD2DF2-B5C1-4A22-C4E2-563D04AE0495}" dt="2022-01-10T16:13:24.704" v="15" actId="1076"/>
+          <ac:picMkLst>
+            <pc:docMk/>
+            <pc:sldMk cId="3787940990" sldId="263"/>
+            <ac:picMk id="6146" creationId="{340D40DF-BB52-4454-A94F-C7F4FBDC7879}"/>
+          </ac:picMkLst>
+        </pc:picChg>
+      </pc:sldChg>
+      <pc:sldChg chg="addCm modCm">
+        <pc:chgData name="Jason Da Silva Castanheira" userId="S::jason.dasilvacastanheira@mail.mcgill.ca::8bb028ac-99c1-4291-bb1e-644b68120d4f" providerId="AD" clId="Web-{62AD2DF2-B5C1-4A22-C4E2-563D04AE0495}" dt="2022-01-10T16:08:15.998" v="10"/>
+        <pc:sldMkLst>
+          <pc:docMk/>
+          <pc:sldMk cId="2515671864" sldId="264"/>
+        </pc:sldMkLst>
+      </pc:sldChg>
+      <pc:sldChg chg="addCm">
+        <pc:chgData name="Jason Da Silva Castanheira" userId="S::jason.dasilvacastanheira@mail.mcgill.ca::8bb028ac-99c1-4291-bb1e-644b68120d4f" providerId="AD" clId="Web-{62AD2DF2-B5C1-4A22-C4E2-563D04AE0495}" dt="2022-01-10T16:03:51.575" v="5"/>
+        <pc:sldMkLst>
+          <pc:docMk/>
+          <pc:sldMk cId="2212237892" sldId="265"/>
+        </pc:sldMkLst>
+      </pc:sldChg>
+      <pc:sldChg chg="addCm">
+        <pc:chgData name="Jason Da Silva Castanheira" userId="S::jason.dasilvacastanheira@mail.mcgill.ca::8bb028ac-99c1-4291-bb1e-644b68120d4f" providerId="AD" clId="Web-{62AD2DF2-B5C1-4A22-C4E2-563D04AE0495}" dt="2022-01-10T16:12:45.047" v="13"/>
+        <pc:sldMkLst>
+          <pc:docMk/>
+          <pc:sldMk cId="3690728207" sldId="266"/>
+        </pc:sldMkLst>
+      </pc:sldChg>
+      <pc:sldChg chg="addCm">
+        <pc:chgData name="Jason Da Silva Castanheira" userId="S::jason.dasilvacastanheira@mail.mcgill.ca::8bb028ac-99c1-4291-bb1e-644b68120d4f" providerId="AD" clId="Web-{62AD2DF2-B5C1-4A22-C4E2-563D04AE0495}" dt="2022-01-10T16:12:22.234" v="12"/>
+        <pc:sldMkLst>
+          <pc:docMk/>
+          <pc:sldMk cId="3560119381" sldId="267"/>
+        </pc:sldMkLst>
+      </pc:sldChg>
+      <pc:sldChg chg="addCm">
+        <pc:chgData name="Jason Da Silva Castanheira" userId="S::jason.dasilvacastanheira@mail.mcgill.ca::8bb028ac-99c1-4291-bb1e-644b68120d4f" providerId="AD" clId="Web-{62AD2DF2-B5C1-4A22-C4E2-563D04AE0495}" dt="2022-01-10T16:09:29.718" v="11"/>
+        <pc:sldMkLst>
+          <pc:docMk/>
+          <pc:sldMk cId="1174859885" sldId="271"/>
+        </pc:sldMkLst>
+      </pc:sldChg>
+      <pc:sldChg chg="addCm">
+        <pc:chgData name="Jason Da Silva Castanheira" userId="S::jason.dasilvacastanheira@mail.mcgill.ca::8bb028ac-99c1-4291-bb1e-644b68120d4f" providerId="AD" clId="Web-{62AD2DF2-B5C1-4A22-C4E2-563D04AE0495}" dt="2022-01-10T16:03:23.277" v="4"/>
+        <pc:sldMkLst>
+          <pc:docMk/>
+          <pc:sldMk cId="2537507375" sldId="272"/>
+        </pc:sldMkLst>
+      </pc:sldChg>
+      <pc:sldChg chg="addCm delCm">
+        <pc:chgData name="Jason Da Silva Castanheira" userId="S::jason.dasilvacastanheira@mail.mcgill.ca::8bb028ac-99c1-4291-bb1e-644b68120d4f" providerId="AD" clId="Web-{62AD2DF2-B5C1-4A22-C4E2-563D04AE0495}" dt="2022-01-10T16:06:49.701" v="8"/>
+        <pc:sldMkLst>
+          <pc:docMk/>
+          <pc:sldMk cId="2414804386" sldId="276"/>
+        </pc:sldMkLst>
+      </pc:sldChg>
+    </pc:docChg>
+  </pc:docChgLst>
+  <pc:docChgLst>
+    <pc:chgData name="Haruka Mitsuhashi" userId="S::haruka.mitsuhashi@mail.mcgill.ca::cad9d2e5-3ea3-4f02-9a90-40fb75fca6e0" providerId="AD" clId="Web-{3E975163-67E8-4F2D-A2E1-DF7BF05435D7}"/>
+    <pc:docChg chg="modSld">
+      <pc:chgData name="Haruka Mitsuhashi" userId="S::haruka.mitsuhashi@mail.mcgill.ca::cad9d2e5-3ea3-4f02-9a90-40fb75fca6e0" providerId="AD" clId="Web-{3E975163-67E8-4F2D-A2E1-DF7BF05435D7}" dt="2021-11-17T20:24:51.610" v="55" actId="20577"/>
+      <pc:docMkLst>
+        <pc:docMk/>
+      </pc:docMkLst>
+      <pc:sldChg chg="modSp">
+        <pc:chgData name="Haruka Mitsuhashi" userId="S::haruka.mitsuhashi@mail.mcgill.ca::cad9d2e5-3ea3-4f02-9a90-40fb75fca6e0" providerId="AD" clId="Web-{3E975163-67E8-4F2D-A2E1-DF7BF05435D7}" dt="2021-11-17T20:24:51.610" v="55" actId="20577"/>
+        <pc:sldMkLst>
+          <pc:docMk/>
+          <pc:sldMk cId="2515671864" sldId="264"/>
+        </pc:sldMkLst>
+        <pc:spChg chg="mod">
+          <ac:chgData name="Haruka Mitsuhashi" userId="S::haruka.mitsuhashi@mail.mcgill.ca::cad9d2e5-3ea3-4f02-9a90-40fb75fca6e0" providerId="AD" clId="Web-{3E975163-67E8-4F2D-A2E1-DF7BF05435D7}" dt="2021-11-17T20:24:51.610" v="55" actId="20577"/>
+          <ac:spMkLst>
+            <pc:docMk/>
+            <pc:sldMk cId="2515671864" sldId="264"/>
+            <ac:spMk id="3" creationId="{836B0D7E-22A7-457F-90F3-5564142BE703}"/>
+          </ac:spMkLst>
+        </pc:spChg>
+      </pc:sldChg>
+      <pc:sldChg chg="modSp">
+        <pc:chgData name="Haruka Mitsuhashi" userId="S::haruka.mitsuhashi@mail.mcgill.ca::cad9d2e5-3ea3-4f02-9a90-40fb75fca6e0" providerId="AD" clId="Web-{3E975163-67E8-4F2D-A2E1-DF7BF05435D7}" dt="2021-11-17T20:24:17.813" v="41" actId="20577"/>
+        <pc:sldMkLst>
+          <pc:docMk/>
+          <pc:sldMk cId="2212237892" sldId="265"/>
+        </pc:sldMkLst>
+        <pc:spChg chg="mod">
+          <ac:chgData name="Haruka Mitsuhashi" userId="S::haruka.mitsuhashi@mail.mcgill.ca::cad9d2e5-3ea3-4f02-9a90-40fb75fca6e0" providerId="AD" clId="Web-{3E975163-67E8-4F2D-A2E1-DF7BF05435D7}" dt="2021-11-17T20:24:17.813" v="41" actId="20577"/>
+          <ac:spMkLst>
+            <pc:docMk/>
+            <pc:sldMk cId="2212237892" sldId="265"/>
+            <ac:spMk id="3" creationId="{AA7AE3DA-4533-47E7-AC7A-1C38BF4712F7}"/>
+          </ac:spMkLst>
+        </pc:spChg>
+      </pc:sldChg>
+      <pc:sldChg chg="modSp">
+        <pc:chgData name="Haruka Mitsuhashi" userId="S::haruka.mitsuhashi@mail.mcgill.ca::cad9d2e5-3ea3-4f02-9a90-40fb75fca6e0" providerId="AD" clId="Web-{3E975163-67E8-4F2D-A2E1-DF7BF05435D7}" dt="2021-11-17T20:21:45.358" v="2" actId="20577"/>
+        <pc:sldMkLst>
+          <pc:docMk/>
+          <pc:sldMk cId="1174859885" sldId="271"/>
+        </pc:sldMkLst>
+        <pc:spChg chg="mod">
+          <ac:chgData name="Haruka Mitsuhashi" userId="S::haruka.mitsuhashi@mail.mcgill.ca::cad9d2e5-3ea3-4f02-9a90-40fb75fca6e0" providerId="AD" clId="Web-{3E975163-67E8-4F2D-A2E1-DF7BF05435D7}" dt="2021-11-17T20:21:45.358" v="2" actId="20577"/>
+          <ac:spMkLst>
+            <pc:docMk/>
+            <pc:sldMk cId="1174859885" sldId="271"/>
+            <ac:spMk id="3" creationId="{103D8E6C-3685-4836-94D6-EF2707046D6F}"/>
+          </ac:spMkLst>
+        </pc:spChg>
       </pc:sldChg>
     </pc:docChg>
   </pc:docChgLst>
@@ -923,647 +1938,6 @@
           </pc:sldLayoutMkLst>
         </pc:sldLayoutChg>
       </pc:sldMasterChg>
-    </pc:docChg>
-  </pc:docChgLst>
-  <pc:docChgLst>
-    <pc:chgData name="Malosree Maitra" userId="S::malosree.maitra@mail.mcgill.ca::8f9c36eb-6eee-475d-9222-9db764a484c1" providerId="AD" clId="Web-{EEA6405A-6F88-BA69-BB22-89F70D923DC8}"/>
-    <pc:docChg chg="modSld">
-      <pc:chgData name="Malosree Maitra" userId="S::malosree.maitra@mail.mcgill.ca::8f9c36eb-6eee-475d-9222-9db764a484c1" providerId="AD" clId="Web-{EEA6405A-6F88-BA69-BB22-89F70D923DC8}" dt="2022-02-02T21:13:55.192" v="1" actId="20577"/>
-      <pc:docMkLst>
-        <pc:docMk/>
-      </pc:docMkLst>
-      <pc:sldChg chg="modSp">
-        <pc:chgData name="Malosree Maitra" userId="S::malosree.maitra@mail.mcgill.ca::8f9c36eb-6eee-475d-9222-9db764a484c1" providerId="AD" clId="Web-{EEA6405A-6F88-BA69-BB22-89F70D923DC8}" dt="2022-02-02T21:13:55.192" v="1" actId="20577"/>
-        <pc:sldMkLst>
-          <pc:docMk/>
-          <pc:sldMk cId="0" sldId="256"/>
-        </pc:sldMkLst>
-        <pc:spChg chg="mod">
-          <ac:chgData name="Malosree Maitra" userId="S::malosree.maitra@mail.mcgill.ca::8f9c36eb-6eee-475d-9222-9db764a484c1" providerId="AD" clId="Web-{EEA6405A-6F88-BA69-BB22-89F70D923DC8}" dt="2022-02-02T21:13:55.192" v="1" actId="20577"/>
-          <ac:spMkLst>
-            <pc:docMk/>
-            <pc:sldMk cId="0" sldId="256"/>
-            <ac:spMk id="737" creationId="{00000000-0000-0000-0000-000000000000}"/>
-          </ac:spMkLst>
-        </pc:spChg>
-      </pc:sldChg>
-    </pc:docChg>
-  </pc:docChgLst>
-  <pc:docChgLst>
-    <pc:chgData name="Haruka Mitsuhashi" userId="cad9d2e5-3ea3-4f02-9a90-40fb75fca6e0" providerId="ADAL" clId="{C5410277-0FEF-AF4F-B466-13B323046206}"/>
-    <pc:docChg chg="modSld">
-      <pc:chgData name="Haruka Mitsuhashi" userId="cad9d2e5-3ea3-4f02-9a90-40fb75fca6e0" providerId="ADAL" clId="{C5410277-0FEF-AF4F-B466-13B323046206}" dt="2022-01-05T16:18:22.499" v="1" actId="255"/>
-      <pc:docMkLst>
-        <pc:docMk/>
-      </pc:docMkLst>
-      <pc:sldChg chg="modSp mod">
-        <pc:chgData name="Haruka Mitsuhashi" userId="cad9d2e5-3ea3-4f02-9a90-40fb75fca6e0" providerId="ADAL" clId="{C5410277-0FEF-AF4F-B466-13B323046206}" dt="2022-01-05T16:18:22.499" v="1" actId="255"/>
-        <pc:sldMkLst>
-          <pc:docMk/>
-          <pc:sldMk cId="3888621480" sldId="275"/>
-        </pc:sldMkLst>
-        <pc:spChg chg="mod">
-          <ac:chgData name="Haruka Mitsuhashi" userId="cad9d2e5-3ea3-4f02-9a90-40fb75fca6e0" providerId="ADAL" clId="{C5410277-0FEF-AF4F-B466-13B323046206}" dt="2022-01-05T16:18:22.499" v="1" actId="255"/>
-          <ac:spMkLst>
-            <pc:docMk/>
-            <pc:sldMk cId="3888621480" sldId="275"/>
-            <ac:spMk id="3" creationId="{7C2CDC48-8371-449B-A979-196C41DB963B}"/>
-          </ac:spMkLst>
-        </pc:spChg>
-      </pc:sldChg>
-      <pc:sldChg chg="modSp mod">
-        <pc:chgData name="Haruka Mitsuhashi" userId="cad9d2e5-3ea3-4f02-9a90-40fb75fca6e0" providerId="ADAL" clId="{C5410277-0FEF-AF4F-B466-13B323046206}" dt="2022-01-05T16:18:05.112" v="0" actId="255"/>
-        <pc:sldMkLst>
-          <pc:docMk/>
-          <pc:sldMk cId="2414804386" sldId="276"/>
-        </pc:sldMkLst>
-        <pc:spChg chg="mod">
-          <ac:chgData name="Haruka Mitsuhashi" userId="cad9d2e5-3ea3-4f02-9a90-40fb75fca6e0" providerId="ADAL" clId="{C5410277-0FEF-AF4F-B466-13B323046206}" dt="2022-01-05T16:18:05.112" v="0" actId="255"/>
-          <ac:spMkLst>
-            <pc:docMk/>
-            <pc:sldMk cId="2414804386" sldId="276"/>
-            <ac:spMk id="3" creationId="{7C2CDC48-8371-449B-A979-196C41DB963B}"/>
-          </ac:spMkLst>
-        </pc:spChg>
-      </pc:sldChg>
-    </pc:docChg>
-  </pc:docChgLst>
-  <pc:docChgLst>
-    <pc:chgData name="Malosree Maitra" userId="S::malosree.maitra@mail.mcgill.ca::8f9c36eb-6eee-475d-9222-9db764a484c1" providerId="AD" clId="Web-{58D79527-1AAB-E6E9-6052-0BB2F5CF189E}"/>
-    <pc:docChg chg="addSld modSld">
-      <pc:chgData name="Malosree Maitra" userId="S::malosree.maitra@mail.mcgill.ca::8f9c36eb-6eee-475d-9222-9db764a484c1" providerId="AD" clId="Web-{58D79527-1AAB-E6E9-6052-0BB2F5CF189E}" dt="2021-11-19T16:51:02.703" v="122" actId="20577"/>
-      <pc:docMkLst>
-        <pc:docMk/>
-      </pc:docMkLst>
-      <pc:sldChg chg="modSp">
-        <pc:chgData name="Malosree Maitra" userId="S::malosree.maitra@mail.mcgill.ca::8f9c36eb-6eee-475d-9222-9db764a484c1" providerId="AD" clId="Web-{58D79527-1AAB-E6E9-6052-0BB2F5CF189E}" dt="2021-11-19T16:36:17.257" v="76" actId="20577"/>
-        <pc:sldMkLst>
-          <pc:docMk/>
-          <pc:sldMk cId="2212237892" sldId="265"/>
-        </pc:sldMkLst>
-        <pc:spChg chg="mod">
-          <ac:chgData name="Malosree Maitra" userId="S::malosree.maitra@mail.mcgill.ca::8f9c36eb-6eee-475d-9222-9db764a484c1" providerId="AD" clId="Web-{58D79527-1AAB-E6E9-6052-0BB2F5CF189E}" dt="2021-11-19T16:36:17.257" v="76" actId="20577"/>
-          <ac:spMkLst>
-            <pc:docMk/>
-            <pc:sldMk cId="2212237892" sldId="265"/>
-            <ac:spMk id="3" creationId="{AA7AE3DA-4533-47E7-AC7A-1C38BF4712F7}"/>
-          </ac:spMkLst>
-        </pc:spChg>
-      </pc:sldChg>
-      <pc:sldChg chg="modSp">
-        <pc:chgData name="Malosree Maitra" userId="S::malosree.maitra@mail.mcgill.ca::8f9c36eb-6eee-475d-9222-9db764a484c1" providerId="AD" clId="Web-{58D79527-1AAB-E6E9-6052-0BB2F5CF189E}" dt="2021-11-19T16:38:25.305" v="77" actId="20577"/>
-        <pc:sldMkLst>
-          <pc:docMk/>
-          <pc:sldMk cId="3690728207" sldId="266"/>
-        </pc:sldMkLst>
-        <pc:spChg chg="mod">
-          <ac:chgData name="Malosree Maitra" userId="S::malosree.maitra@mail.mcgill.ca::8f9c36eb-6eee-475d-9222-9db764a484c1" providerId="AD" clId="Web-{58D79527-1AAB-E6E9-6052-0BB2F5CF189E}" dt="2021-11-19T16:38:25.305" v="77" actId="20577"/>
-          <ac:spMkLst>
-            <pc:docMk/>
-            <pc:sldMk cId="3690728207" sldId="266"/>
-            <ac:spMk id="3" creationId="{FAD9B110-241E-4AE1-B446-E342FFC612C7}"/>
-          </ac:spMkLst>
-        </pc:spChg>
-      </pc:sldChg>
-      <pc:sldChg chg="modSp">
-        <pc:chgData name="Malosree Maitra" userId="S::malosree.maitra@mail.mcgill.ca::8f9c36eb-6eee-475d-9222-9db764a484c1" providerId="AD" clId="Web-{58D79527-1AAB-E6E9-6052-0BB2F5CF189E}" dt="2021-11-19T16:51:02.703" v="122" actId="20577"/>
-        <pc:sldMkLst>
-          <pc:docMk/>
-          <pc:sldMk cId="3560119381" sldId="267"/>
-        </pc:sldMkLst>
-        <pc:spChg chg="mod">
-          <ac:chgData name="Malosree Maitra" userId="S::malosree.maitra@mail.mcgill.ca::8f9c36eb-6eee-475d-9222-9db764a484c1" providerId="AD" clId="Web-{58D79527-1AAB-E6E9-6052-0BB2F5CF189E}" dt="2021-11-19T16:51:02.703" v="122" actId="20577"/>
-          <ac:spMkLst>
-            <pc:docMk/>
-            <pc:sldMk cId="3560119381" sldId="267"/>
-            <ac:spMk id="3" creationId="{15E440AF-A80C-468B-B831-633E42FE4939}"/>
-          </ac:spMkLst>
-        </pc:spChg>
-      </pc:sldChg>
-      <pc:sldChg chg="modSp">
-        <pc:chgData name="Malosree Maitra" userId="S::malosree.maitra@mail.mcgill.ca::8f9c36eb-6eee-475d-9222-9db764a484c1" providerId="AD" clId="Web-{58D79527-1AAB-E6E9-6052-0BB2F5CF189E}" dt="2021-11-19T16:47:38.654" v="94" actId="20577"/>
-        <pc:sldMkLst>
-          <pc:docMk/>
-          <pc:sldMk cId="1504987362" sldId="273"/>
-        </pc:sldMkLst>
-        <pc:spChg chg="mod">
-          <ac:chgData name="Malosree Maitra" userId="S::malosree.maitra@mail.mcgill.ca::8f9c36eb-6eee-475d-9222-9db764a484c1" providerId="AD" clId="Web-{58D79527-1AAB-E6E9-6052-0BB2F5CF189E}" dt="2021-11-19T16:47:38.654" v="94" actId="20577"/>
-          <ac:spMkLst>
-            <pc:docMk/>
-            <pc:sldMk cId="1504987362" sldId="273"/>
-            <ac:spMk id="2" creationId="{FE5AB953-4CB7-4869-B60A-F4A3454915BC}"/>
-          </ac:spMkLst>
-        </pc:spChg>
-      </pc:sldChg>
-      <pc:sldChg chg="addSp delSp modSp new">
-        <pc:chgData name="Malosree Maitra" userId="S::malosree.maitra@mail.mcgill.ca::8f9c36eb-6eee-475d-9222-9db764a484c1" providerId="AD" clId="Web-{58D79527-1AAB-E6E9-6052-0BB2F5CF189E}" dt="2021-11-19T16:35:15.350" v="63" actId="20577"/>
-        <pc:sldMkLst>
-          <pc:docMk/>
-          <pc:sldMk cId="2910973881" sldId="274"/>
-        </pc:sldMkLst>
-        <pc:spChg chg="del">
-          <ac:chgData name="Malosree Maitra" userId="S::malosree.maitra@mail.mcgill.ca::8f9c36eb-6eee-475d-9222-9db764a484c1" providerId="AD" clId="Web-{58D79527-1AAB-E6E9-6052-0BB2F5CF189E}" dt="2021-11-19T16:33:37.193" v="2"/>
-          <ac:spMkLst>
-            <pc:docMk/>
-            <pc:sldMk cId="2910973881" sldId="274"/>
-            <ac:spMk id="2" creationId="{7FA01587-9EDF-4DBF-B712-0C7BD8F30DBA}"/>
-          </ac:spMkLst>
-        </pc:spChg>
-        <pc:spChg chg="mod">
-          <ac:chgData name="Malosree Maitra" userId="S::malosree.maitra@mail.mcgill.ca::8f9c36eb-6eee-475d-9222-9db764a484c1" providerId="AD" clId="Web-{58D79527-1AAB-E6E9-6052-0BB2F5CF189E}" dt="2021-11-19T16:35:15.350" v="63" actId="20577"/>
-          <ac:spMkLst>
-            <pc:docMk/>
-            <pc:sldMk cId="2910973881" sldId="274"/>
-            <ac:spMk id="3" creationId="{7C2CDC48-8371-449B-A979-196C41DB963B}"/>
-          </ac:spMkLst>
-        </pc:spChg>
-        <pc:spChg chg="add mod">
-          <ac:chgData name="Malosree Maitra" userId="S::malosree.maitra@mail.mcgill.ca::8f9c36eb-6eee-475d-9222-9db764a484c1" providerId="AD" clId="Web-{58D79527-1AAB-E6E9-6052-0BB2F5CF189E}" dt="2021-11-19T16:33:40.427" v="3" actId="1076"/>
-          <ac:spMkLst>
-            <pc:docMk/>
-            <pc:sldMk cId="2910973881" sldId="274"/>
-            <ac:spMk id="5" creationId="{3F253900-B7D1-421C-94F6-257B96C1A563}"/>
-          </ac:spMkLst>
-        </pc:spChg>
-      </pc:sldChg>
-    </pc:docChg>
-  </pc:docChgLst>
-  <pc:docChgLst>
-    <pc:chgData name="Malosree Maitra" userId="S::malosree.maitra@mail.mcgill.ca::8f9c36eb-6eee-475d-9222-9db764a484c1" providerId="AD" clId="Web-{48C30845-14E9-6A23-EFD7-408835B229E7}"/>
-    <pc:docChg chg="modSld">
-      <pc:chgData name="Malosree Maitra" userId="S::malosree.maitra@mail.mcgill.ca::8f9c36eb-6eee-475d-9222-9db764a484c1" providerId="AD" clId="Web-{48C30845-14E9-6A23-EFD7-408835B229E7}" dt="2021-11-15T21:43:32.406" v="61"/>
-      <pc:docMkLst>
-        <pc:docMk/>
-      </pc:docMkLst>
-      <pc:sldChg chg="modSp">
-        <pc:chgData name="Malosree Maitra" userId="S::malosree.maitra@mail.mcgill.ca::8f9c36eb-6eee-475d-9222-9db764a484c1" providerId="AD" clId="Web-{48C30845-14E9-6A23-EFD7-408835B229E7}" dt="2021-11-15T21:42:50.374" v="19" actId="20577"/>
-        <pc:sldMkLst>
-          <pc:docMk/>
-          <pc:sldMk cId="2515671864" sldId="264"/>
-        </pc:sldMkLst>
-        <pc:spChg chg="mod">
-          <ac:chgData name="Malosree Maitra" userId="S::malosree.maitra@mail.mcgill.ca::8f9c36eb-6eee-475d-9222-9db764a484c1" providerId="AD" clId="Web-{48C30845-14E9-6A23-EFD7-408835B229E7}" dt="2021-11-15T21:42:50.374" v="19" actId="20577"/>
-          <ac:spMkLst>
-            <pc:docMk/>
-            <pc:sldMk cId="2515671864" sldId="264"/>
-            <ac:spMk id="3" creationId="{836B0D7E-22A7-457F-90F3-5564142BE703}"/>
-          </ac:spMkLst>
-        </pc:spChg>
-      </pc:sldChg>
-      <pc:sldChg chg="modSp">
-        <pc:chgData name="Malosree Maitra" userId="S::malosree.maitra@mail.mcgill.ca::8f9c36eb-6eee-475d-9222-9db764a484c1" providerId="AD" clId="Web-{48C30845-14E9-6A23-EFD7-408835B229E7}" dt="2021-11-15T21:43:32.406" v="61"/>
-        <pc:sldMkLst>
-          <pc:docMk/>
-          <pc:sldMk cId="3690728207" sldId="266"/>
-        </pc:sldMkLst>
-        <pc:spChg chg="mod">
-          <ac:chgData name="Malosree Maitra" userId="S::malosree.maitra@mail.mcgill.ca::8f9c36eb-6eee-475d-9222-9db764a484c1" providerId="AD" clId="Web-{48C30845-14E9-6A23-EFD7-408835B229E7}" dt="2021-11-15T21:43:32.406" v="61"/>
-          <ac:spMkLst>
-            <pc:docMk/>
-            <pc:sldMk cId="3690728207" sldId="266"/>
-            <ac:spMk id="3" creationId="{FAD9B110-241E-4AE1-B446-E342FFC612C7}"/>
-          </ac:spMkLst>
-        </pc:spChg>
-      </pc:sldChg>
-    </pc:docChg>
-  </pc:docChgLst>
-  <pc:docChgLst>
-    <pc:chgData name="Malosree Maitra" userId="S::malosree.maitra@mail.mcgill.ca::8f9c36eb-6eee-475d-9222-9db764a484c1" providerId="AD" clId="Web-{5EC6326F-A8AF-3E45-BAA2-8BA905197B00}"/>
-    <pc:docChg chg="modSld">
-      <pc:chgData name="Malosree Maitra" userId="S::malosree.maitra@mail.mcgill.ca::8f9c36eb-6eee-475d-9222-9db764a484c1" providerId="AD" clId="Web-{5EC6326F-A8AF-3E45-BAA2-8BA905197B00}" dt="2022-02-03T12:55:30.316" v="1" actId="20577"/>
-      <pc:docMkLst>
-        <pc:docMk/>
-      </pc:docMkLst>
-      <pc:sldChg chg="modSp modCm">
-        <pc:chgData name="Malosree Maitra" userId="S::malosree.maitra@mail.mcgill.ca::8f9c36eb-6eee-475d-9222-9db764a484c1" providerId="AD" clId="Web-{5EC6326F-A8AF-3E45-BAA2-8BA905197B00}" dt="2022-02-03T12:55:30.316" v="1" actId="20577"/>
-        <pc:sldMkLst>
-          <pc:docMk/>
-          <pc:sldMk cId="2212237892" sldId="265"/>
-        </pc:sldMkLst>
-        <pc:spChg chg="mod">
-          <ac:chgData name="Malosree Maitra" userId="S::malosree.maitra@mail.mcgill.ca::8f9c36eb-6eee-475d-9222-9db764a484c1" providerId="AD" clId="Web-{5EC6326F-A8AF-3E45-BAA2-8BA905197B00}" dt="2022-02-03T12:55:30.316" v="1" actId="20577"/>
-          <ac:spMkLst>
-            <pc:docMk/>
-            <pc:sldMk cId="2212237892" sldId="265"/>
-            <ac:spMk id="3" creationId="{AA7AE3DA-4533-47E7-AC7A-1C38BF4712F7}"/>
-          </ac:spMkLst>
-        </pc:spChg>
-      </pc:sldChg>
-    </pc:docChg>
-  </pc:docChgLst>
-  <pc:docChgLst>
-    <pc:chgData name="Malosree Maitra" userId="S::malosree.maitra@mail.mcgill.ca::8f9c36eb-6eee-475d-9222-9db764a484c1" providerId="AD" clId="Web-{7521BD6B-0DE4-FA55-D79E-766B31FAD6B9}"/>
-    <pc:docChg chg="modSld">
-      <pc:chgData name="Malosree Maitra" userId="S::malosree.maitra@mail.mcgill.ca::8f9c36eb-6eee-475d-9222-9db764a484c1" providerId="AD" clId="Web-{7521BD6B-0DE4-FA55-D79E-766B31FAD6B9}" dt="2021-11-18T16:46:02.710" v="352"/>
-      <pc:docMkLst>
-        <pc:docMk/>
-      </pc:docMkLst>
-      <pc:sldChg chg="modSp">
-        <pc:chgData name="Malosree Maitra" userId="S::malosree.maitra@mail.mcgill.ca::8f9c36eb-6eee-475d-9222-9db764a484c1" providerId="AD" clId="Web-{7521BD6B-0DE4-FA55-D79E-766B31FAD6B9}" dt="2021-11-18T16:41:05.815" v="74" actId="20577"/>
-        <pc:sldMkLst>
-          <pc:docMk/>
-          <pc:sldMk cId="2515671864" sldId="264"/>
-        </pc:sldMkLst>
-        <pc:spChg chg="mod">
-          <ac:chgData name="Malosree Maitra" userId="S::malosree.maitra@mail.mcgill.ca::8f9c36eb-6eee-475d-9222-9db764a484c1" providerId="AD" clId="Web-{7521BD6B-0DE4-FA55-D79E-766B31FAD6B9}" dt="2021-11-18T16:41:05.815" v="74" actId="20577"/>
-          <ac:spMkLst>
-            <pc:docMk/>
-            <pc:sldMk cId="2515671864" sldId="264"/>
-            <ac:spMk id="3" creationId="{836B0D7E-22A7-457F-90F3-5564142BE703}"/>
-          </ac:spMkLst>
-        </pc:spChg>
-      </pc:sldChg>
-      <pc:sldChg chg="modSp modNotes">
-        <pc:chgData name="Malosree Maitra" userId="S::malosree.maitra@mail.mcgill.ca::8f9c36eb-6eee-475d-9222-9db764a484c1" providerId="AD" clId="Web-{7521BD6B-0DE4-FA55-D79E-766B31FAD6B9}" dt="2021-11-18T16:46:02.710" v="352"/>
-        <pc:sldMkLst>
-          <pc:docMk/>
-          <pc:sldMk cId="2212237892" sldId="265"/>
-        </pc:sldMkLst>
-        <pc:spChg chg="mod">
-          <ac:chgData name="Malosree Maitra" userId="S::malosree.maitra@mail.mcgill.ca::8f9c36eb-6eee-475d-9222-9db764a484c1" providerId="AD" clId="Web-{7521BD6B-0DE4-FA55-D79E-766B31FAD6B9}" dt="2021-11-18T16:46:02.710" v="352"/>
-          <ac:spMkLst>
-            <pc:docMk/>
-            <pc:sldMk cId="2212237892" sldId="265"/>
-            <ac:spMk id="3" creationId="{AA7AE3DA-4533-47E7-AC7A-1C38BF4712F7}"/>
-          </ac:spMkLst>
-        </pc:spChg>
-      </pc:sldChg>
-      <pc:sldChg chg="modSp">
-        <pc:chgData name="Malosree Maitra" userId="S::malosree.maitra@mail.mcgill.ca::8f9c36eb-6eee-475d-9222-9db764a484c1" providerId="AD" clId="Web-{7521BD6B-0DE4-FA55-D79E-766B31FAD6B9}" dt="2021-11-18T16:41:47.253" v="83" actId="20577"/>
-        <pc:sldMkLst>
-          <pc:docMk/>
-          <pc:sldMk cId="1174859885" sldId="271"/>
-        </pc:sldMkLst>
-        <pc:spChg chg="mod">
-          <ac:chgData name="Malosree Maitra" userId="S::malosree.maitra@mail.mcgill.ca::8f9c36eb-6eee-475d-9222-9db764a484c1" providerId="AD" clId="Web-{7521BD6B-0DE4-FA55-D79E-766B31FAD6B9}" dt="2021-11-18T16:41:47.253" v="83" actId="20577"/>
-          <ac:spMkLst>
-            <pc:docMk/>
-            <pc:sldMk cId="1174859885" sldId="271"/>
-            <ac:spMk id="3" creationId="{103D8E6C-3685-4836-94D6-EF2707046D6F}"/>
-          </ac:spMkLst>
-        </pc:spChg>
-      </pc:sldChg>
-    </pc:docChg>
-  </pc:docChgLst>
-  <pc:docChgLst>
-    <pc:chgData name="Malosree Maitra" userId="S::malosree.maitra@mail.mcgill.ca::8f9c36eb-6eee-475d-9222-9db764a484c1" providerId="AD" clId="Web-{8A7FB3C9-9560-C140-32A3-FD3B946263BC}"/>
-    <pc:docChg chg="addSld delSld modSld sldOrd">
-      <pc:chgData name="Malosree Maitra" userId="S::malosree.maitra@mail.mcgill.ca::8f9c36eb-6eee-475d-9222-9db764a484c1" providerId="AD" clId="Web-{8A7FB3C9-9560-C140-32A3-FD3B946263BC}" dt="2021-11-15T21:38:30.465" v="807" actId="20577"/>
-      <pc:docMkLst>
-        <pc:docMk/>
-      </pc:docMkLst>
-      <pc:sldChg chg="modSp">
-        <pc:chgData name="Malosree Maitra" userId="S::malosree.maitra@mail.mcgill.ca::8f9c36eb-6eee-475d-9222-9db764a484c1" providerId="AD" clId="Web-{8A7FB3C9-9560-C140-32A3-FD3B946263BC}" dt="2021-11-15T21:13:19.284" v="3" actId="20577"/>
-        <pc:sldMkLst>
-          <pc:docMk/>
-          <pc:sldMk cId="0" sldId="256"/>
-        </pc:sldMkLst>
-        <pc:spChg chg="mod">
-          <ac:chgData name="Malosree Maitra" userId="S::malosree.maitra@mail.mcgill.ca::8f9c36eb-6eee-475d-9222-9db764a484c1" providerId="AD" clId="Web-{8A7FB3C9-9560-C140-32A3-FD3B946263BC}" dt="2021-11-15T21:13:19.284" v="3" actId="20577"/>
-          <ac:spMkLst>
-            <pc:docMk/>
-            <pc:sldMk cId="0" sldId="256"/>
-            <ac:spMk id="737" creationId="{00000000-0000-0000-0000-000000000000}"/>
-          </ac:spMkLst>
-        </pc:spChg>
-      </pc:sldChg>
-      <pc:sldChg chg="modSp">
-        <pc:chgData name="Malosree Maitra" userId="S::malosree.maitra@mail.mcgill.ca::8f9c36eb-6eee-475d-9222-9db764a484c1" providerId="AD" clId="Web-{8A7FB3C9-9560-C140-32A3-FD3B946263BC}" dt="2021-11-15T21:33:40.664" v="710" actId="20577"/>
-        <pc:sldMkLst>
-          <pc:docMk/>
-          <pc:sldMk cId="0" sldId="257"/>
-        </pc:sldMkLst>
-        <pc:spChg chg="mod">
-          <ac:chgData name="Malosree Maitra" userId="S::malosree.maitra@mail.mcgill.ca::8f9c36eb-6eee-475d-9222-9db764a484c1" providerId="AD" clId="Web-{8A7FB3C9-9560-C140-32A3-FD3B946263BC}" dt="2021-11-15T21:33:40.664" v="710" actId="20577"/>
-          <ac:spMkLst>
-            <pc:docMk/>
-            <pc:sldMk cId="0" sldId="257"/>
-            <ac:spMk id="742" creationId="{00000000-0000-0000-0000-000000000000}"/>
-          </ac:spMkLst>
-        </pc:spChg>
-        <pc:spChg chg="mod">
-          <ac:chgData name="Malosree Maitra" userId="S::malosree.maitra@mail.mcgill.ca::8f9c36eb-6eee-475d-9222-9db764a484c1" providerId="AD" clId="Web-{8A7FB3C9-9560-C140-32A3-FD3B946263BC}" dt="2021-11-15T21:21:45.558" v="334" actId="20577"/>
-          <ac:spMkLst>
-            <pc:docMk/>
-            <pc:sldMk cId="0" sldId="257"/>
-            <ac:spMk id="743" creationId="{00000000-0000-0000-0000-000000000000}"/>
-          </ac:spMkLst>
-        </pc:spChg>
-      </pc:sldChg>
-      <pc:sldChg chg="addSp delSp modSp del">
-        <pc:chgData name="Malosree Maitra" userId="S::malosree.maitra@mail.mcgill.ca::8f9c36eb-6eee-475d-9222-9db764a484c1" providerId="AD" clId="Web-{8A7FB3C9-9560-C140-32A3-FD3B946263BC}" dt="2021-11-15T21:16:19.506" v="82"/>
-        <pc:sldMkLst>
-          <pc:docMk/>
-          <pc:sldMk cId="0" sldId="260"/>
-        </pc:sldMkLst>
-        <pc:spChg chg="del">
-          <ac:chgData name="Malosree Maitra" userId="S::malosree.maitra@mail.mcgill.ca::8f9c36eb-6eee-475d-9222-9db764a484c1" providerId="AD" clId="Web-{8A7FB3C9-9560-C140-32A3-FD3B946263BC}" dt="2021-11-15T21:16:01.287" v="78"/>
-          <ac:spMkLst>
-            <pc:docMk/>
-            <pc:sldMk cId="0" sldId="260"/>
-            <ac:spMk id="4" creationId="{0F7F08B3-15B8-450A-902E-6E39D3D7673F}"/>
-          </ac:spMkLst>
-        </pc:spChg>
-        <pc:spChg chg="add mod">
-          <ac:chgData name="Malosree Maitra" userId="S::malosree.maitra@mail.mcgill.ca::8f9c36eb-6eee-475d-9222-9db764a484c1" providerId="AD" clId="Web-{8A7FB3C9-9560-C140-32A3-FD3B946263BC}" dt="2021-11-15T21:15:59.053" v="77"/>
-          <ac:spMkLst>
-            <pc:docMk/>
-            <pc:sldMk cId="0" sldId="260"/>
-            <ac:spMk id="5" creationId="{929C33CE-CD6D-413C-B077-9174971FCE73}"/>
-          </ac:spMkLst>
-        </pc:spChg>
-        <pc:spChg chg="add mod">
-          <ac:chgData name="Malosree Maitra" userId="S::malosree.maitra@mail.mcgill.ca::8f9c36eb-6eee-475d-9222-9db764a484c1" providerId="AD" clId="Web-{8A7FB3C9-9560-C140-32A3-FD3B946263BC}" dt="2021-11-15T21:16:01.287" v="78"/>
-          <ac:spMkLst>
-            <pc:docMk/>
-            <pc:sldMk cId="0" sldId="260"/>
-            <ac:spMk id="7" creationId="{AB0568F4-B0D0-4BAD-B8E7-29C097402C36}"/>
-          </ac:spMkLst>
-        </pc:spChg>
-        <pc:spChg chg="del">
-          <ac:chgData name="Malosree Maitra" userId="S::malosree.maitra@mail.mcgill.ca::8f9c36eb-6eee-475d-9222-9db764a484c1" providerId="AD" clId="Web-{8A7FB3C9-9560-C140-32A3-FD3B946263BC}" dt="2021-11-15T21:15:59.053" v="77"/>
-          <ac:spMkLst>
-            <pc:docMk/>
-            <pc:sldMk cId="0" sldId="260"/>
-            <ac:spMk id="779" creationId="{00000000-0000-0000-0000-000000000000}"/>
-          </ac:spMkLst>
-        </pc:spChg>
-      </pc:sldChg>
-      <pc:sldChg chg="new del">
-        <pc:chgData name="Malosree Maitra" userId="S::malosree.maitra@mail.mcgill.ca::8f9c36eb-6eee-475d-9222-9db764a484c1" providerId="AD" clId="Web-{8A7FB3C9-9560-C140-32A3-FD3B946263BC}" dt="2021-11-15T21:16:18.303" v="81"/>
-        <pc:sldMkLst>
-          <pc:docMk/>
-          <pc:sldMk cId="937112411" sldId="261"/>
-        </pc:sldMkLst>
-      </pc:sldChg>
-      <pc:sldChg chg="modSp new">
-        <pc:chgData name="Malosree Maitra" userId="S::malosree.maitra@mail.mcgill.ca::8f9c36eb-6eee-475d-9222-9db764a484c1" providerId="AD" clId="Web-{8A7FB3C9-9560-C140-32A3-FD3B946263BC}" dt="2021-11-15T21:34:05.508" v="714" actId="20577"/>
-        <pc:sldMkLst>
-          <pc:docMk/>
-          <pc:sldMk cId="1249762310" sldId="262"/>
-        </pc:sldMkLst>
-        <pc:spChg chg="mod">
-          <ac:chgData name="Malosree Maitra" userId="S::malosree.maitra@mail.mcgill.ca::8f9c36eb-6eee-475d-9222-9db764a484c1" providerId="AD" clId="Web-{8A7FB3C9-9560-C140-32A3-FD3B946263BC}" dt="2021-11-15T21:34:05.508" v="714" actId="20577"/>
-          <ac:spMkLst>
-            <pc:docMk/>
-            <pc:sldMk cId="1249762310" sldId="262"/>
-            <ac:spMk id="2" creationId="{38C92C51-0A54-4549-AB83-989A15C0B632}"/>
-          </ac:spMkLst>
-        </pc:spChg>
-        <pc:spChg chg="mod">
-          <ac:chgData name="Malosree Maitra" userId="S::malosree.maitra@mail.mcgill.ca::8f9c36eb-6eee-475d-9222-9db764a484c1" providerId="AD" clId="Web-{8A7FB3C9-9560-C140-32A3-FD3B946263BC}" dt="2021-11-15T21:18:44.540" v="200" actId="20577"/>
-          <ac:spMkLst>
-            <pc:docMk/>
-            <pc:sldMk cId="1249762310" sldId="262"/>
-            <ac:spMk id="3" creationId="{02660DC3-14BA-4C4D-8F7D-AD800EADBC4C}"/>
-          </ac:spMkLst>
-        </pc:spChg>
-      </pc:sldChg>
-      <pc:sldChg chg="modSp new">
-        <pc:chgData name="Malosree Maitra" userId="S::malosree.maitra@mail.mcgill.ca::8f9c36eb-6eee-475d-9222-9db764a484c1" providerId="AD" clId="Web-{8A7FB3C9-9560-C140-32A3-FD3B946263BC}" dt="2021-11-15T21:34:41.586" v="742" actId="20577"/>
-        <pc:sldMkLst>
-          <pc:docMk/>
-          <pc:sldMk cId="3787940990" sldId="263"/>
-        </pc:sldMkLst>
-        <pc:spChg chg="mod">
-          <ac:chgData name="Malosree Maitra" userId="S::malosree.maitra@mail.mcgill.ca::8f9c36eb-6eee-475d-9222-9db764a484c1" providerId="AD" clId="Web-{8A7FB3C9-9560-C140-32A3-FD3B946263BC}" dt="2021-11-15T21:34:41.586" v="742" actId="20577"/>
-          <ac:spMkLst>
-            <pc:docMk/>
-            <pc:sldMk cId="3787940990" sldId="263"/>
-            <ac:spMk id="2" creationId="{3469AD2A-5E5C-4A57-86E2-5A3FDDC3F677}"/>
-          </ac:spMkLst>
-        </pc:spChg>
-        <pc:spChg chg="mod">
-          <ac:chgData name="Malosree Maitra" userId="S::malosree.maitra@mail.mcgill.ca::8f9c36eb-6eee-475d-9222-9db764a484c1" providerId="AD" clId="Web-{8A7FB3C9-9560-C140-32A3-FD3B946263BC}" dt="2021-11-15T21:21:19.417" v="304" actId="20577"/>
-          <ac:spMkLst>
-            <pc:docMk/>
-            <pc:sldMk cId="3787940990" sldId="263"/>
-            <ac:spMk id="3" creationId="{3A5DE77B-248F-472A-9BFB-78F2C02868C1}"/>
-          </ac:spMkLst>
-        </pc:spChg>
-      </pc:sldChg>
-      <pc:sldChg chg="modSp new">
-        <pc:chgData name="Malosree Maitra" userId="S::malosree.maitra@mail.mcgill.ca::8f9c36eb-6eee-475d-9222-9db764a484c1" providerId="AD" clId="Web-{8A7FB3C9-9560-C140-32A3-FD3B946263BC}" dt="2021-11-15T21:24:05.764" v="443" actId="20577"/>
-        <pc:sldMkLst>
-          <pc:docMk/>
-          <pc:sldMk cId="2515671864" sldId="264"/>
-        </pc:sldMkLst>
-        <pc:spChg chg="mod">
-          <ac:chgData name="Malosree Maitra" userId="S::malosree.maitra@mail.mcgill.ca::8f9c36eb-6eee-475d-9222-9db764a484c1" providerId="AD" clId="Web-{8A7FB3C9-9560-C140-32A3-FD3B946263BC}" dt="2021-11-15T21:22:11.887" v="345" actId="20577"/>
-          <ac:spMkLst>
-            <pc:docMk/>
-            <pc:sldMk cId="2515671864" sldId="264"/>
-            <ac:spMk id="2" creationId="{DC2184EE-1383-4573-94B5-42471EBF61D2}"/>
-          </ac:spMkLst>
-        </pc:spChg>
-        <pc:spChg chg="mod">
-          <ac:chgData name="Malosree Maitra" userId="S::malosree.maitra@mail.mcgill.ca::8f9c36eb-6eee-475d-9222-9db764a484c1" providerId="AD" clId="Web-{8A7FB3C9-9560-C140-32A3-FD3B946263BC}" dt="2021-11-15T21:24:05.764" v="443" actId="20577"/>
-          <ac:spMkLst>
-            <pc:docMk/>
-            <pc:sldMk cId="2515671864" sldId="264"/>
-            <ac:spMk id="3" creationId="{836B0D7E-22A7-457F-90F3-5564142BE703}"/>
-          </ac:spMkLst>
-        </pc:spChg>
-      </pc:sldChg>
-      <pc:sldChg chg="modSp new ord">
-        <pc:chgData name="Malosree Maitra" userId="S::malosree.maitra@mail.mcgill.ca::8f9c36eb-6eee-475d-9222-9db764a484c1" providerId="AD" clId="Web-{8A7FB3C9-9560-C140-32A3-FD3B946263BC}" dt="2021-11-15T21:34:31.024" v="724" actId="20577"/>
-        <pc:sldMkLst>
-          <pc:docMk/>
-          <pc:sldMk cId="2212237892" sldId="265"/>
-        </pc:sldMkLst>
-        <pc:spChg chg="mod">
-          <ac:chgData name="Malosree Maitra" userId="S::malosree.maitra@mail.mcgill.ca::8f9c36eb-6eee-475d-9222-9db764a484c1" providerId="AD" clId="Web-{8A7FB3C9-9560-C140-32A3-FD3B946263BC}" dt="2021-11-15T21:34:31.024" v="724" actId="20577"/>
-          <ac:spMkLst>
-            <pc:docMk/>
-            <pc:sldMk cId="2212237892" sldId="265"/>
-            <ac:spMk id="2" creationId="{8B31C1CE-2D44-48DB-B0A0-0D22F4F1994C}"/>
-          </ac:spMkLst>
-        </pc:spChg>
-      </pc:sldChg>
-      <pc:sldChg chg="modSp new">
-        <pc:chgData name="Malosree Maitra" userId="S::malosree.maitra@mail.mcgill.ca::8f9c36eb-6eee-475d-9222-9db764a484c1" providerId="AD" clId="Web-{8A7FB3C9-9560-C140-32A3-FD3B946263BC}" dt="2021-11-15T21:24:30.967" v="459" actId="20577"/>
-        <pc:sldMkLst>
-          <pc:docMk/>
-          <pc:sldMk cId="3690728207" sldId="266"/>
-        </pc:sldMkLst>
-        <pc:spChg chg="mod">
-          <ac:chgData name="Malosree Maitra" userId="S::malosree.maitra@mail.mcgill.ca::8f9c36eb-6eee-475d-9222-9db764a484c1" providerId="AD" clId="Web-{8A7FB3C9-9560-C140-32A3-FD3B946263BC}" dt="2021-11-15T21:24:30.967" v="459" actId="20577"/>
-          <ac:spMkLst>
-            <pc:docMk/>
-            <pc:sldMk cId="3690728207" sldId="266"/>
-            <ac:spMk id="2" creationId="{984751E8-497A-4338-AB95-0D3B329E007F}"/>
-          </ac:spMkLst>
-        </pc:spChg>
-      </pc:sldChg>
-      <pc:sldChg chg="modSp new ord">
-        <pc:chgData name="Malosree Maitra" userId="S::malosree.maitra@mail.mcgill.ca::8f9c36eb-6eee-475d-9222-9db764a484c1" providerId="AD" clId="Web-{8A7FB3C9-9560-C140-32A3-FD3B946263BC}" dt="2021-11-15T21:35:58.463" v="759" actId="20577"/>
-        <pc:sldMkLst>
-          <pc:docMk/>
-          <pc:sldMk cId="3560119381" sldId="267"/>
-        </pc:sldMkLst>
-        <pc:spChg chg="mod">
-          <ac:chgData name="Malosree Maitra" userId="S::malosree.maitra@mail.mcgill.ca::8f9c36eb-6eee-475d-9222-9db764a484c1" providerId="AD" clId="Web-{8A7FB3C9-9560-C140-32A3-FD3B946263BC}" dt="2021-11-15T21:35:58.463" v="759" actId="20577"/>
-          <ac:spMkLst>
-            <pc:docMk/>
-            <pc:sldMk cId="3560119381" sldId="267"/>
-            <ac:spMk id="2" creationId="{BCAE85E9-5EAD-4DCD-907F-F7F6C84DA3B8}"/>
-          </ac:spMkLst>
-        </pc:spChg>
-      </pc:sldChg>
-      <pc:sldChg chg="modSp new del">
-        <pc:chgData name="Malosree Maitra" userId="S::malosree.maitra@mail.mcgill.ca::8f9c36eb-6eee-475d-9222-9db764a484c1" providerId="AD" clId="Web-{8A7FB3C9-9560-C140-32A3-FD3B946263BC}" dt="2021-11-15T21:35:38.650" v="748"/>
-        <pc:sldMkLst>
-          <pc:docMk/>
-          <pc:sldMk cId="2142474314" sldId="268"/>
-        </pc:sldMkLst>
-        <pc:spChg chg="mod">
-          <ac:chgData name="Malosree Maitra" userId="S::malosree.maitra@mail.mcgill.ca::8f9c36eb-6eee-475d-9222-9db764a484c1" providerId="AD" clId="Web-{8A7FB3C9-9560-C140-32A3-FD3B946263BC}" dt="2021-11-15T21:26:57.032" v="611" actId="20577"/>
-          <ac:spMkLst>
-            <pc:docMk/>
-            <pc:sldMk cId="2142474314" sldId="268"/>
-            <ac:spMk id="2" creationId="{3D37741F-C33E-4E99-BB60-0BFE8A43D606}"/>
-          </ac:spMkLst>
-        </pc:spChg>
-      </pc:sldChg>
-      <pc:sldChg chg="modSp new ord">
-        <pc:chgData name="Malosree Maitra" userId="S::malosree.maitra@mail.mcgill.ca::8f9c36eb-6eee-475d-9222-9db764a484c1" providerId="AD" clId="Web-{8A7FB3C9-9560-C140-32A3-FD3B946263BC}" dt="2021-11-15T21:33:32.632" v="702" actId="20577"/>
-        <pc:sldMkLst>
-          <pc:docMk/>
-          <pc:sldMk cId="2297614196" sldId="269"/>
-        </pc:sldMkLst>
-        <pc:spChg chg="mod">
-          <ac:chgData name="Malosree Maitra" userId="S::malosree.maitra@mail.mcgill.ca::8f9c36eb-6eee-475d-9222-9db764a484c1" providerId="AD" clId="Web-{8A7FB3C9-9560-C140-32A3-FD3B946263BC}" dt="2021-11-15T21:25:34.437" v="498" actId="20577"/>
-          <ac:spMkLst>
-            <pc:docMk/>
-            <pc:sldMk cId="2297614196" sldId="269"/>
-            <ac:spMk id="2" creationId="{DBAFAD74-D57E-452D-B352-E457CDB5B2AB}"/>
-          </ac:spMkLst>
-        </pc:spChg>
-        <pc:spChg chg="mod">
-          <ac:chgData name="Malosree Maitra" userId="S::malosree.maitra@mail.mcgill.ca::8f9c36eb-6eee-475d-9222-9db764a484c1" providerId="AD" clId="Web-{8A7FB3C9-9560-C140-32A3-FD3B946263BC}" dt="2021-11-15T21:33:32.632" v="702" actId="20577"/>
-          <ac:spMkLst>
-            <pc:docMk/>
-            <pc:sldMk cId="2297614196" sldId="269"/>
-            <ac:spMk id="3" creationId="{0CD60E47-B7E9-4FE5-9B36-BAD8A2A725B0}"/>
-          </ac:spMkLst>
-        </pc:spChg>
-      </pc:sldChg>
-      <pc:sldChg chg="new del">
-        <pc:chgData name="Malosree Maitra" userId="S::malosree.maitra@mail.mcgill.ca::8f9c36eb-6eee-475d-9222-9db764a484c1" providerId="AD" clId="Web-{8A7FB3C9-9560-C140-32A3-FD3B946263BC}" dt="2021-11-15T21:35:40.056" v="749"/>
-        <pc:sldMkLst>
-          <pc:docMk/>
-          <pc:sldMk cId="1263912749" sldId="270"/>
-        </pc:sldMkLst>
-      </pc:sldChg>
-      <pc:sldChg chg="modSp new">
-        <pc:chgData name="Malosree Maitra" userId="S::malosree.maitra@mail.mcgill.ca::8f9c36eb-6eee-475d-9222-9db764a484c1" providerId="AD" clId="Web-{8A7FB3C9-9560-C140-32A3-FD3B946263BC}" dt="2021-11-15T21:28:00.424" v="683" actId="20577"/>
-        <pc:sldMkLst>
-          <pc:docMk/>
-          <pc:sldMk cId="1174859885" sldId="271"/>
-        </pc:sldMkLst>
-        <pc:spChg chg="mod">
-          <ac:chgData name="Malosree Maitra" userId="S::malosree.maitra@mail.mcgill.ca::8f9c36eb-6eee-475d-9222-9db764a484c1" providerId="AD" clId="Web-{8A7FB3C9-9560-C140-32A3-FD3B946263BC}" dt="2021-11-15T21:27:21.423" v="625" actId="20577"/>
-          <ac:spMkLst>
-            <pc:docMk/>
-            <pc:sldMk cId="1174859885" sldId="271"/>
-            <ac:spMk id="2" creationId="{1DECDB41-A376-45BA-A348-F87D6DDA2634}"/>
-          </ac:spMkLst>
-        </pc:spChg>
-        <pc:spChg chg="mod">
-          <ac:chgData name="Malosree Maitra" userId="S::malosree.maitra@mail.mcgill.ca::8f9c36eb-6eee-475d-9222-9db764a484c1" providerId="AD" clId="Web-{8A7FB3C9-9560-C140-32A3-FD3B946263BC}" dt="2021-11-15T21:28:00.424" v="683" actId="20577"/>
-          <ac:spMkLst>
-            <pc:docMk/>
-            <pc:sldMk cId="1174859885" sldId="271"/>
-            <ac:spMk id="3" creationId="{103D8E6C-3685-4836-94D6-EF2707046D6F}"/>
-          </ac:spMkLst>
-        </pc:spChg>
-      </pc:sldChg>
-      <pc:sldChg chg="modSp add replId">
-        <pc:chgData name="Malosree Maitra" userId="S::malosree.maitra@mail.mcgill.ca::8f9c36eb-6eee-475d-9222-9db764a484c1" providerId="AD" clId="Web-{8A7FB3C9-9560-C140-32A3-FD3B946263BC}" dt="2021-11-15T21:34:58.259" v="747" actId="20577"/>
-        <pc:sldMkLst>
-          <pc:docMk/>
-          <pc:sldMk cId="2537507375" sldId="272"/>
-        </pc:sldMkLst>
-        <pc:spChg chg="mod">
-          <ac:chgData name="Malosree Maitra" userId="S::malosree.maitra@mail.mcgill.ca::8f9c36eb-6eee-475d-9222-9db764a484c1" providerId="AD" clId="Web-{8A7FB3C9-9560-C140-32A3-FD3B946263BC}" dt="2021-11-15T21:34:58.259" v="747" actId="20577"/>
-          <ac:spMkLst>
-            <pc:docMk/>
-            <pc:sldMk cId="2537507375" sldId="272"/>
-            <ac:spMk id="2" creationId="{3469AD2A-5E5C-4A57-86E2-5A3FDDC3F677}"/>
-          </ac:spMkLst>
-        </pc:spChg>
-      </pc:sldChg>
-      <pc:sldChg chg="modSp new">
-        <pc:chgData name="Malosree Maitra" userId="S::malosree.maitra@mail.mcgill.ca::8f9c36eb-6eee-475d-9222-9db764a484c1" providerId="AD" clId="Web-{8A7FB3C9-9560-C140-32A3-FD3B946263BC}" dt="2021-11-15T21:38:30.465" v="807" actId="20577"/>
-        <pc:sldMkLst>
-          <pc:docMk/>
-          <pc:sldMk cId="1504987362" sldId="273"/>
-        </pc:sldMkLst>
-        <pc:spChg chg="mod">
-          <ac:chgData name="Malosree Maitra" userId="S::malosree.maitra@mail.mcgill.ca::8f9c36eb-6eee-475d-9222-9db764a484c1" providerId="AD" clId="Web-{8A7FB3C9-9560-C140-32A3-FD3B946263BC}" dt="2021-11-15T21:36:54.964" v="762" actId="20577"/>
-          <ac:spMkLst>
-            <pc:docMk/>
-            <pc:sldMk cId="1504987362" sldId="273"/>
-            <ac:spMk id="2" creationId="{FE5AB953-4CB7-4869-B60A-F4A3454915BC}"/>
-          </ac:spMkLst>
-        </pc:spChg>
-        <pc:spChg chg="mod">
-          <ac:chgData name="Malosree Maitra" userId="S::malosree.maitra@mail.mcgill.ca::8f9c36eb-6eee-475d-9222-9db764a484c1" providerId="AD" clId="Web-{8A7FB3C9-9560-C140-32A3-FD3B946263BC}" dt="2021-11-15T21:38:30.465" v="807" actId="20577"/>
-          <ac:spMkLst>
-            <pc:docMk/>
-            <pc:sldMk cId="1504987362" sldId="273"/>
-            <ac:spMk id="3" creationId="{E6E2003C-6096-43BC-9E9A-AB7DF9347403}"/>
-          </ac:spMkLst>
-        </pc:spChg>
-      </pc:sldChg>
-    </pc:docChg>
-  </pc:docChgLst>
-  <pc:docChgLst>
-    <pc:chgData name="Malosree Maitra" userId="S::malosree.maitra@mail.mcgill.ca::8f9c36eb-6eee-475d-9222-9db764a484c1" providerId="AD" clId="Web-{86C81C0C-CAC6-2668-FBC0-56F241B17A39}"/>
-    <pc:docChg chg="modSld">
-      <pc:chgData name="Malosree Maitra" userId="S::malosree.maitra@mail.mcgill.ca::8f9c36eb-6eee-475d-9222-9db764a484c1" providerId="AD" clId="Web-{86C81C0C-CAC6-2668-FBC0-56F241B17A39}" dt="2022-01-05T01:02:18.971" v="146" actId="20577"/>
-      <pc:docMkLst>
-        <pc:docMk/>
-      </pc:docMkLst>
-      <pc:sldChg chg="modSp">
-        <pc:chgData name="Malosree Maitra" userId="S::malosree.maitra@mail.mcgill.ca::8f9c36eb-6eee-475d-9222-9db764a484c1" providerId="AD" clId="Web-{86C81C0C-CAC6-2668-FBC0-56F241B17A39}" dt="2022-01-05T01:02:18.971" v="146" actId="20577"/>
-        <pc:sldMkLst>
-          <pc:docMk/>
-          <pc:sldMk cId="2537507375" sldId="272"/>
-        </pc:sldMkLst>
-        <pc:spChg chg="mod">
-          <ac:chgData name="Malosree Maitra" userId="S::malosree.maitra@mail.mcgill.ca::8f9c36eb-6eee-475d-9222-9db764a484c1" providerId="AD" clId="Web-{86C81C0C-CAC6-2668-FBC0-56F241B17A39}" dt="2022-01-05T01:02:18.971" v="146" actId="20577"/>
-          <ac:spMkLst>
-            <pc:docMk/>
-            <pc:sldMk cId="2537507375" sldId="272"/>
-            <ac:spMk id="3" creationId="{3A5DE77B-248F-472A-9BFB-78F2C02868C1}"/>
-          </ac:spMkLst>
-        </pc:spChg>
-      </pc:sldChg>
-    </pc:docChg>
-  </pc:docChgLst>
-  <pc:docChgLst>
-    <pc:chgData name="Malosree Maitra" userId="S::malosree.maitra@mail.mcgill.ca::8f9c36eb-6eee-475d-9222-9db764a484c1" providerId="AD" clId="Web-{F80E202A-EE77-958B-C7FD-5D6520F0BDD9}"/>
-    <pc:docChg chg="modSld">
-      <pc:chgData name="Malosree Maitra" userId="S::malosree.maitra@mail.mcgill.ca::8f9c36eb-6eee-475d-9222-9db764a484c1" providerId="AD" clId="Web-{F80E202A-EE77-958B-C7FD-5D6520F0BDD9}" dt="2022-01-28T20:53:46.466" v="0" actId="20577"/>
-      <pc:docMkLst>
-        <pc:docMk/>
-      </pc:docMkLst>
-      <pc:sldChg chg="modSp">
-        <pc:chgData name="Malosree Maitra" userId="S::malosree.maitra@mail.mcgill.ca::8f9c36eb-6eee-475d-9222-9db764a484c1" providerId="AD" clId="Web-{F80E202A-EE77-958B-C7FD-5D6520F0BDD9}" dt="2022-01-28T20:53:46.466" v="0" actId="20577"/>
-        <pc:sldMkLst>
-          <pc:docMk/>
-          <pc:sldMk cId="3888621480" sldId="275"/>
-        </pc:sldMkLst>
-        <pc:spChg chg="mod">
-          <ac:chgData name="Malosree Maitra" userId="S::malosree.maitra@mail.mcgill.ca::8f9c36eb-6eee-475d-9222-9db764a484c1" providerId="AD" clId="Web-{F80E202A-EE77-958B-C7FD-5D6520F0BDD9}" dt="2022-01-28T20:53:46.466" v="0" actId="20577"/>
-          <ac:spMkLst>
-            <pc:docMk/>
-            <pc:sldMk cId="3888621480" sldId="275"/>
-            <ac:spMk id="3" creationId="{7C2CDC48-8371-449B-A979-196C41DB963B}"/>
-          </ac:spMkLst>
-        </pc:spChg>
-      </pc:sldChg>
     </pc:docChg>
   </pc:docChgLst>
   <pc:docChgLst>
@@ -2082,381 +2456,6 @@
             <ac:graphicFrameMk id="5" creationId="{8FAC558A-DA09-49D6-B955-BFBAF2D1F4A8}"/>
           </ac:graphicFrameMkLst>
         </pc:graphicFrameChg>
-      </pc:sldChg>
-    </pc:docChg>
-  </pc:docChgLst>
-  <pc:docChgLst>
-    <pc:chgData name="Jason Da Silva Castanheira" userId="S::jason.dasilvacastanheira@mail.mcgill.ca::8bb028ac-99c1-4291-bb1e-644b68120d4f" providerId="AD" clId="Web-{62AD2DF2-B5C1-4A22-C4E2-563D04AE0495}"/>
-    <pc:docChg chg="mod modSld">
-      <pc:chgData name="Jason Da Silva Castanheira" userId="S::jason.dasilvacastanheira@mail.mcgill.ca::8bb028ac-99c1-4291-bb1e-644b68120d4f" providerId="AD" clId="Web-{62AD2DF2-B5C1-4A22-C4E2-563D04AE0495}" dt="2022-01-10T16:13:58.126" v="16"/>
-      <pc:docMkLst>
-        <pc:docMk/>
-      </pc:docMkLst>
-      <pc:sldChg chg="addCm">
-        <pc:chgData name="Jason Da Silva Castanheira" userId="S::jason.dasilvacastanheira@mail.mcgill.ca::8bb028ac-99c1-4291-bb1e-644b68120d4f" providerId="AD" clId="Web-{62AD2DF2-B5C1-4A22-C4E2-563D04AE0495}" dt="2022-01-10T15:52:44.523" v="1"/>
-        <pc:sldMkLst>
-          <pc:docMk/>
-          <pc:sldMk cId="0" sldId="257"/>
-        </pc:sldMkLst>
-      </pc:sldChg>
-      <pc:sldChg chg="modSp addCm">
-        <pc:chgData name="Jason Da Silva Castanheira" userId="S::jason.dasilvacastanheira@mail.mcgill.ca::8bb028ac-99c1-4291-bb1e-644b68120d4f" providerId="AD" clId="Web-{62AD2DF2-B5C1-4A22-C4E2-563D04AE0495}" dt="2022-01-10T16:13:58.126" v="16"/>
-        <pc:sldMkLst>
-          <pc:docMk/>
-          <pc:sldMk cId="3787940990" sldId="263"/>
-        </pc:sldMkLst>
-        <pc:picChg chg="mod">
-          <ac:chgData name="Jason Da Silva Castanheira" userId="S::jason.dasilvacastanheira@mail.mcgill.ca::8bb028ac-99c1-4291-bb1e-644b68120d4f" providerId="AD" clId="Web-{62AD2DF2-B5C1-4A22-C4E2-563D04AE0495}" dt="2022-01-10T16:13:24.704" v="15" actId="1076"/>
-          <ac:picMkLst>
-            <pc:docMk/>
-            <pc:sldMk cId="3787940990" sldId="263"/>
-            <ac:picMk id="6146" creationId="{340D40DF-BB52-4454-A94F-C7F4FBDC7879}"/>
-          </ac:picMkLst>
-        </pc:picChg>
-      </pc:sldChg>
-      <pc:sldChg chg="addCm modCm">
-        <pc:chgData name="Jason Da Silva Castanheira" userId="S::jason.dasilvacastanheira@mail.mcgill.ca::8bb028ac-99c1-4291-bb1e-644b68120d4f" providerId="AD" clId="Web-{62AD2DF2-B5C1-4A22-C4E2-563D04AE0495}" dt="2022-01-10T16:08:15.998" v="10"/>
-        <pc:sldMkLst>
-          <pc:docMk/>
-          <pc:sldMk cId="2515671864" sldId="264"/>
-        </pc:sldMkLst>
-      </pc:sldChg>
-      <pc:sldChg chg="addCm">
-        <pc:chgData name="Jason Da Silva Castanheira" userId="S::jason.dasilvacastanheira@mail.mcgill.ca::8bb028ac-99c1-4291-bb1e-644b68120d4f" providerId="AD" clId="Web-{62AD2DF2-B5C1-4A22-C4E2-563D04AE0495}" dt="2022-01-10T16:03:51.575" v="5"/>
-        <pc:sldMkLst>
-          <pc:docMk/>
-          <pc:sldMk cId="2212237892" sldId="265"/>
-        </pc:sldMkLst>
-      </pc:sldChg>
-      <pc:sldChg chg="addCm">
-        <pc:chgData name="Jason Da Silva Castanheira" userId="S::jason.dasilvacastanheira@mail.mcgill.ca::8bb028ac-99c1-4291-bb1e-644b68120d4f" providerId="AD" clId="Web-{62AD2DF2-B5C1-4A22-C4E2-563D04AE0495}" dt="2022-01-10T16:12:45.047" v="13"/>
-        <pc:sldMkLst>
-          <pc:docMk/>
-          <pc:sldMk cId="3690728207" sldId="266"/>
-        </pc:sldMkLst>
-      </pc:sldChg>
-      <pc:sldChg chg="addCm">
-        <pc:chgData name="Jason Da Silva Castanheira" userId="S::jason.dasilvacastanheira@mail.mcgill.ca::8bb028ac-99c1-4291-bb1e-644b68120d4f" providerId="AD" clId="Web-{62AD2DF2-B5C1-4A22-C4E2-563D04AE0495}" dt="2022-01-10T16:12:22.234" v="12"/>
-        <pc:sldMkLst>
-          <pc:docMk/>
-          <pc:sldMk cId="3560119381" sldId="267"/>
-        </pc:sldMkLst>
-      </pc:sldChg>
-      <pc:sldChg chg="addCm">
-        <pc:chgData name="Jason Da Silva Castanheira" userId="S::jason.dasilvacastanheira@mail.mcgill.ca::8bb028ac-99c1-4291-bb1e-644b68120d4f" providerId="AD" clId="Web-{62AD2DF2-B5C1-4A22-C4E2-563D04AE0495}" dt="2022-01-10T16:09:29.718" v="11"/>
-        <pc:sldMkLst>
-          <pc:docMk/>
-          <pc:sldMk cId="1174859885" sldId="271"/>
-        </pc:sldMkLst>
-      </pc:sldChg>
-      <pc:sldChg chg="addCm">
-        <pc:chgData name="Jason Da Silva Castanheira" userId="S::jason.dasilvacastanheira@mail.mcgill.ca::8bb028ac-99c1-4291-bb1e-644b68120d4f" providerId="AD" clId="Web-{62AD2DF2-B5C1-4A22-C4E2-563D04AE0495}" dt="2022-01-10T16:03:23.277" v="4"/>
-        <pc:sldMkLst>
-          <pc:docMk/>
-          <pc:sldMk cId="2537507375" sldId="272"/>
-        </pc:sldMkLst>
-      </pc:sldChg>
-      <pc:sldChg chg="addCm delCm">
-        <pc:chgData name="Jason Da Silva Castanheira" userId="S::jason.dasilvacastanheira@mail.mcgill.ca::8bb028ac-99c1-4291-bb1e-644b68120d4f" providerId="AD" clId="Web-{62AD2DF2-B5C1-4A22-C4E2-563D04AE0495}" dt="2022-01-10T16:06:49.701" v="8"/>
-        <pc:sldMkLst>
-          <pc:docMk/>
-          <pc:sldMk cId="2414804386" sldId="276"/>
-        </pc:sldMkLst>
-      </pc:sldChg>
-    </pc:docChg>
-  </pc:docChgLst>
-  <pc:docChgLst>
-    <pc:chgData name="Malosree Maitra" userId="S::malosree.maitra@mail.mcgill.ca::8f9c36eb-6eee-475d-9222-9db764a484c1" providerId="AD" clId="Web-{45A9F25C-CE56-7980-7A92-93D7C0BAC75E}"/>
-    <pc:docChg chg="addSld delSld modSld">
-      <pc:chgData name="Malosree Maitra" userId="S::malosree.maitra@mail.mcgill.ca::8f9c36eb-6eee-475d-9222-9db764a484c1" providerId="AD" clId="Web-{45A9F25C-CE56-7980-7A92-93D7C0BAC75E}" dt="2022-01-10T18:08:28.055" v="262" actId="20577"/>
-      <pc:docMkLst>
-        <pc:docMk/>
-      </pc:docMkLst>
-      <pc:sldChg chg="delSp modSp">
-        <pc:chgData name="Malosree Maitra" userId="S::malosree.maitra@mail.mcgill.ca::8f9c36eb-6eee-475d-9222-9db764a484c1" providerId="AD" clId="Web-{45A9F25C-CE56-7980-7A92-93D7C0BAC75E}" dt="2022-01-10T17:35:52.668" v="98" actId="14100"/>
-        <pc:sldMkLst>
-          <pc:docMk/>
-          <pc:sldMk cId="3560119381" sldId="267"/>
-        </pc:sldMkLst>
-        <pc:spChg chg="mod">
-          <ac:chgData name="Malosree Maitra" userId="S::malosree.maitra@mail.mcgill.ca::8f9c36eb-6eee-475d-9222-9db764a484c1" providerId="AD" clId="Web-{45A9F25C-CE56-7980-7A92-93D7C0BAC75E}" dt="2022-01-10T17:35:33.996" v="94" actId="20577"/>
-          <ac:spMkLst>
-            <pc:docMk/>
-            <pc:sldMk cId="3560119381" sldId="267"/>
-            <ac:spMk id="3" creationId="{15E440AF-A80C-468B-B831-633E42FE4939}"/>
-          </ac:spMkLst>
-        </pc:spChg>
-        <pc:spChg chg="del mod">
-          <ac:chgData name="Malosree Maitra" userId="S::malosree.maitra@mail.mcgill.ca::8f9c36eb-6eee-475d-9222-9db764a484c1" providerId="AD" clId="Web-{45A9F25C-CE56-7980-7A92-93D7C0BAC75E}" dt="2022-01-10T17:35:45.761" v="96"/>
-          <ac:spMkLst>
-            <pc:docMk/>
-            <pc:sldMk cId="3560119381" sldId="267"/>
-            <ac:spMk id="7" creationId="{A6DE92A6-3465-4B3B-9B01-29E68E2D256C}"/>
-          </ac:spMkLst>
-        </pc:spChg>
-        <pc:picChg chg="del">
-          <ac:chgData name="Malosree Maitra" userId="S::malosree.maitra@mail.mcgill.ca::8f9c36eb-6eee-475d-9222-9db764a484c1" providerId="AD" clId="Web-{45A9F25C-CE56-7980-7A92-93D7C0BAC75E}" dt="2022-01-10T17:33:11.338" v="1"/>
-          <ac:picMkLst>
-            <pc:docMk/>
-            <pc:sldMk cId="3560119381" sldId="267"/>
-            <ac:picMk id="4098" creationId="{475BC491-286E-471E-9906-7DDF1860809D}"/>
-          </ac:picMkLst>
-        </pc:picChg>
-        <pc:picChg chg="mod">
-          <ac:chgData name="Malosree Maitra" userId="S::malosree.maitra@mail.mcgill.ca::8f9c36eb-6eee-475d-9222-9db764a484c1" providerId="AD" clId="Web-{45A9F25C-CE56-7980-7A92-93D7C0BAC75E}" dt="2022-01-10T17:35:52.668" v="98" actId="14100"/>
-          <ac:picMkLst>
-            <pc:docMk/>
-            <pc:sldMk cId="3560119381" sldId="267"/>
-            <ac:picMk id="4100" creationId="{D9BFF674-32FF-4AC3-B664-626361E97E8C}"/>
-          </ac:picMkLst>
-        </pc:picChg>
-      </pc:sldChg>
-      <pc:sldChg chg="delSp modSp add replId">
-        <pc:chgData name="Malosree Maitra" userId="S::malosree.maitra@mail.mcgill.ca::8f9c36eb-6eee-475d-9222-9db764a484c1" providerId="AD" clId="Web-{45A9F25C-CE56-7980-7A92-93D7C0BAC75E}" dt="2022-01-10T17:34:33.558" v="63" actId="20577"/>
-        <pc:sldMkLst>
-          <pc:docMk/>
-          <pc:sldMk cId="1206802309" sldId="284"/>
-        </pc:sldMkLst>
-        <pc:spChg chg="mod">
-          <ac:chgData name="Malosree Maitra" userId="S::malosree.maitra@mail.mcgill.ca::8f9c36eb-6eee-475d-9222-9db764a484c1" providerId="AD" clId="Web-{45A9F25C-CE56-7980-7A92-93D7C0BAC75E}" dt="2022-01-10T17:34:33.558" v="63" actId="20577"/>
-          <ac:spMkLst>
-            <pc:docMk/>
-            <pc:sldMk cId="1206802309" sldId="284"/>
-            <ac:spMk id="3" creationId="{15E440AF-A80C-468B-B831-633E42FE4939}"/>
-          </ac:spMkLst>
-        </pc:spChg>
-        <pc:spChg chg="mod">
-          <ac:chgData name="Malosree Maitra" userId="S::malosree.maitra@mail.mcgill.ca::8f9c36eb-6eee-475d-9222-9db764a484c1" providerId="AD" clId="Web-{45A9F25C-CE56-7980-7A92-93D7C0BAC75E}" dt="2022-01-10T17:34:20.698" v="62" actId="1076"/>
-          <ac:spMkLst>
-            <pc:docMk/>
-            <pc:sldMk cId="1206802309" sldId="284"/>
-            <ac:spMk id="7" creationId="{A6DE92A6-3465-4B3B-9B01-29E68E2D256C}"/>
-          </ac:spMkLst>
-        </pc:spChg>
-        <pc:picChg chg="mod">
-          <ac:chgData name="Malosree Maitra" userId="S::malosree.maitra@mail.mcgill.ca::8f9c36eb-6eee-475d-9222-9db764a484c1" providerId="AD" clId="Web-{45A9F25C-CE56-7980-7A92-93D7C0BAC75E}" dt="2022-01-10T17:34:17.448" v="61" actId="1076"/>
-          <ac:picMkLst>
-            <pc:docMk/>
-            <pc:sldMk cId="1206802309" sldId="284"/>
-            <ac:picMk id="4098" creationId="{475BC491-286E-471E-9906-7DDF1860809D}"/>
-          </ac:picMkLst>
-        </pc:picChg>
-        <pc:picChg chg="del">
-          <ac:chgData name="Malosree Maitra" userId="S::malosree.maitra@mail.mcgill.ca::8f9c36eb-6eee-475d-9222-9db764a484c1" providerId="AD" clId="Web-{45A9F25C-CE56-7980-7A92-93D7C0BAC75E}" dt="2022-01-10T17:33:18.776" v="4"/>
-          <ac:picMkLst>
-            <pc:docMk/>
-            <pc:sldMk cId="1206802309" sldId="284"/>
-            <ac:picMk id="4100" creationId="{D9BFF674-32FF-4AC3-B664-626361E97E8C}"/>
-          </ac:picMkLst>
-        </pc:picChg>
-      </pc:sldChg>
-      <pc:sldChg chg="add del replId">
-        <pc:chgData name="Malosree Maitra" userId="S::malosree.maitra@mail.mcgill.ca::8f9c36eb-6eee-475d-9222-9db764a484c1" providerId="AD" clId="Web-{45A9F25C-CE56-7980-7A92-93D7C0BAC75E}" dt="2022-01-10T17:35:03.745" v="67"/>
-        <pc:sldMkLst>
-          <pc:docMk/>
-          <pc:sldMk cId="1873383113" sldId="285"/>
-        </pc:sldMkLst>
-      </pc:sldChg>
-      <pc:sldChg chg="addSp modSp new">
-        <pc:chgData name="Malosree Maitra" userId="S::malosree.maitra@mail.mcgill.ca::8f9c36eb-6eee-475d-9222-9db764a484c1" providerId="AD" clId="Web-{45A9F25C-CE56-7980-7A92-93D7C0BAC75E}" dt="2022-01-10T18:08:28.055" v="262" actId="20577"/>
-        <pc:sldMkLst>
-          <pc:docMk/>
-          <pc:sldMk cId="3278402273" sldId="285"/>
-        </pc:sldMkLst>
-        <pc:spChg chg="mod">
-          <ac:chgData name="Malosree Maitra" userId="S::malosree.maitra@mail.mcgill.ca::8f9c36eb-6eee-475d-9222-9db764a484c1" providerId="AD" clId="Web-{45A9F25C-CE56-7980-7A92-93D7C0BAC75E}" dt="2022-01-10T18:03:32.317" v="101" actId="20577"/>
-          <ac:spMkLst>
-            <pc:docMk/>
-            <pc:sldMk cId="3278402273" sldId="285"/>
-            <ac:spMk id="2" creationId="{99E83D1F-168E-477F-9EDF-C8991D8F1101}"/>
-          </ac:spMkLst>
-        </pc:spChg>
-        <pc:spChg chg="mod">
-          <ac:chgData name="Malosree Maitra" userId="S::malosree.maitra@mail.mcgill.ca::8f9c36eb-6eee-475d-9222-9db764a484c1" providerId="AD" clId="Web-{45A9F25C-CE56-7980-7A92-93D7C0BAC75E}" dt="2022-01-10T18:04:02.333" v="164" actId="20577"/>
-          <ac:spMkLst>
-            <pc:docMk/>
-            <pc:sldMk cId="3278402273" sldId="285"/>
-            <ac:spMk id="3" creationId="{9F9F3B34-F528-46AE-922B-FAAC304F3253}"/>
-          </ac:spMkLst>
-        </pc:spChg>
-        <pc:spChg chg="add mod">
-          <ac:chgData name="Malosree Maitra" userId="S::malosree.maitra@mail.mcgill.ca::8f9c36eb-6eee-475d-9222-9db764a484c1" providerId="AD" clId="Web-{45A9F25C-CE56-7980-7A92-93D7C0BAC75E}" dt="2022-01-10T18:07:32.710" v="215" actId="1076"/>
-          <ac:spMkLst>
-            <pc:docMk/>
-            <pc:sldMk cId="3278402273" sldId="285"/>
-            <ac:spMk id="8" creationId="{B6F7481D-9419-438C-9BA9-0E111D66646B}"/>
-          </ac:spMkLst>
-        </pc:spChg>
-        <pc:spChg chg="add mod">
-          <ac:chgData name="Malosree Maitra" userId="S::malosree.maitra@mail.mcgill.ca::8f9c36eb-6eee-475d-9222-9db764a484c1" providerId="AD" clId="Web-{45A9F25C-CE56-7980-7A92-93D7C0BAC75E}" dt="2022-01-10T18:07:49.773" v="222" actId="1076"/>
-          <ac:spMkLst>
-            <pc:docMk/>
-            <pc:sldMk cId="3278402273" sldId="285"/>
-            <ac:spMk id="9" creationId="{9C6CDFBE-4FA7-47E1-93A2-919C4A9D1B19}"/>
-          </ac:spMkLst>
-        </pc:spChg>
-        <pc:spChg chg="add mod">
-          <ac:chgData name="Malosree Maitra" userId="S::malosree.maitra@mail.mcgill.ca::8f9c36eb-6eee-475d-9222-9db764a484c1" providerId="AD" clId="Web-{45A9F25C-CE56-7980-7A92-93D7C0BAC75E}" dt="2022-01-10T18:08:28.055" v="262" actId="20577"/>
-          <ac:spMkLst>
-            <pc:docMk/>
-            <pc:sldMk cId="3278402273" sldId="285"/>
-            <ac:spMk id="10" creationId="{4A8B5324-5F48-4B90-A91D-9EE027E305C7}"/>
-          </ac:spMkLst>
-        </pc:spChg>
-        <pc:picChg chg="add mod">
-          <ac:chgData name="Malosree Maitra" userId="S::malosree.maitra@mail.mcgill.ca::8f9c36eb-6eee-475d-9222-9db764a484c1" providerId="AD" clId="Web-{45A9F25C-CE56-7980-7A92-93D7C0BAC75E}" dt="2022-01-10T18:07:01.616" v="178" actId="1076"/>
-          <ac:picMkLst>
-            <pc:docMk/>
-            <pc:sldMk cId="3278402273" sldId="285"/>
-            <ac:picMk id="4" creationId="{DAA0A9FB-BF91-4E9B-AF37-3898DAFE07E1}"/>
-          </ac:picMkLst>
-        </pc:picChg>
-        <pc:picChg chg="add mod">
-          <ac:chgData name="Malosree Maitra" userId="S::malosree.maitra@mail.mcgill.ca::8f9c36eb-6eee-475d-9222-9db764a484c1" providerId="AD" clId="Web-{45A9F25C-CE56-7980-7A92-93D7C0BAC75E}" dt="2022-01-10T18:07:03.741" v="179" actId="1076"/>
-          <ac:picMkLst>
-            <pc:docMk/>
-            <pc:sldMk cId="3278402273" sldId="285"/>
-            <ac:picMk id="5" creationId="{8B8701FF-B104-4901-9CC8-9488AC2D2796}"/>
-          </ac:picMkLst>
-        </pc:picChg>
-        <pc:picChg chg="add mod">
-          <ac:chgData name="Malosree Maitra" userId="S::malosree.maitra@mail.mcgill.ca::8f9c36eb-6eee-475d-9222-9db764a484c1" providerId="AD" clId="Web-{45A9F25C-CE56-7980-7A92-93D7C0BAC75E}" dt="2022-01-10T18:07:07.320" v="180" actId="1076"/>
-          <ac:picMkLst>
-            <pc:docMk/>
-            <pc:sldMk cId="3278402273" sldId="285"/>
-            <ac:picMk id="6" creationId="{377E83FC-FEE0-4CC5-8026-E106A966389E}"/>
-          </ac:picMkLst>
-        </pc:picChg>
-      </pc:sldChg>
-    </pc:docChg>
-  </pc:docChgLst>
-  <pc:docChgLst>
-    <pc:chgData name="Malosree Maitra" userId="S::malosree.maitra@mail.mcgill.ca::8f9c36eb-6eee-475d-9222-9db764a484c1" providerId="AD" clId="Web-{2645201B-10A8-8439-EA5B-EB578B20E6CD}"/>
-    <pc:docChg chg="addSld delSld modSld sldOrd">
-      <pc:chgData name="Malosree Maitra" userId="S::malosree.maitra@mail.mcgill.ca::8f9c36eb-6eee-475d-9222-9db764a484c1" providerId="AD" clId="Web-{2645201B-10A8-8439-EA5B-EB578B20E6CD}" dt="2022-01-05T15:23:03.306" v="144"/>
-      <pc:docMkLst>
-        <pc:docMk/>
-      </pc:docMkLst>
-      <pc:sldChg chg="ord">
-        <pc:chgData name="Malosree Maitra" userId="S::malosree.maitra@mail.mcgill.ca::8f9c36eb-6eee-475d-9222-9db764a484c1" providerId="AD" clId="Web-{2645201B-10A8-8439-EA5B-EB578B20E6CD}" dt="2022-01-05T15:19:14.289" v="70"/>
-        <pc:sldMkLst>
-          <pc:docMk/>
-          <pc:sldMk cId="1174859885" sldId="271"/>
-        </pc:sldMkLst>
-      </pc:sldChg>
-      <pc:sldChg chg="modSp ord">
-        <pc:chgData name="Malosree Maitra" userId="S::malosree.maitra@mail.mcgill.ca::8f9c36eb-6eee-475d-9222-9db764a484c1" providerId="AD" clId="Web-{2645201B-10A8-8439-EA5B-EB578B20E6CD}" dt="2022-01-05T15:23:03.306" v="144"/>
-        <pc:sldMkLst>
-          <pc:docMk/>
-          <pc:sldMk cId="3516444854" sldId="277"/>
-        </pc:sldMkLst>
-        <pc:spChg chg="mod">
-          <ac:chgData name="Malosree Maitra" userId="S::malosree.maitra@mail.mcgill.ca::8f9c36eb-6eee-475d-9222-9db764a484c1" providerId="AD" clId="Web-{2645201B-10A8-8439-EA5B-EB578B20E6CD}" dt="2022-01-05T15:23:03.306" v="144"/>
-          <ac:spMkLst>
-            <pc:docMk/>
-            <pc:sldMk cId="3516444854" sldId="277"/>
-            <ac:spMk id="3" creationId="{103D8E6C-3685-4836-94D6-EF2707046D6F}"/>
-          </ac:spMkLst>
-        </pc:spChg>
-      </pc:sldChg>
-      <pc:sldChg chg="ord">
-        <pc:chgData name="Malosree Maitra" userId="S::malosree.maitra@mail.mcgill.ca::8f9c36eb-6eee-475d-9222-9db764a484c1" providerId="AD" clId="Web-{2645201B-10A8-8439-EA5B-EB578B20E6CD}" dt="2022-01-05T15:19:14.289" v="69"/>
-        <pc:sldMkLst>
-          <pc:docMk/>
-          <pc:sldMk cId="2536129650" sldId="278"/>
-        </pc:sldMkLst>
-      </pc:sldChg>
-      <pc:sldChg chg="new del">
-        <pc:chgData name="Malosree Maitra" userId="S::malosree.maitra@mail.mcgill.ca::8f9c36eb-6eee-475d-9222-9db764a484c1" providerId="AD" clId="Web-{2645201B-10A8-8439-EA5B-EB578B20E6CD}" dt="2022-01-05T15:16:00.335" v="1"/>
-        <pc:sldMkLst>
-          <pc:docMk/>
-          <pc:sldMk cId="943711095" sldId="280"/>
-        </pc:sldMkLst>
-      </pc:sldChg>
-      <pc:sldChg chg="add replId">
-        <pc:chgData name="Malosree Maitra" userId="S::malosree.maitra@mail.mcgill.ca::8f9c36eb-6eee-475d-9222-9db764a484c1" providerId="AD" clId="Web-{2645201B-10A8-8439-EA5B-EB578B20E6CD}" dt="2022-01-05T15:16:02.148" v="2"/>
-        <pc:sldMkLst>
-          <pc:docMk/>
-          <pc:sldMk cId="3462884166" sldId="280"/>
-        </pc:sldMkLst>
-      </pc:sldChg>
-    </pc:docChg>
-  </pc:docChgLst>
-  <pc:docChgLst>
-    <pc:chgData name="Malosree Maitra" userId="S::malosree.maitra@mail.mcgill.ca::8f9c36eb-6eee-475d-9222-9db764a484c1" providerId="AD" clId="Web-{8CF83CED-8810-A3A6-C90E-E465C9526550}"/>
-    <pc:docChg chg="modSld">
-      <pc:chgData name="Malosree Maitra" userId="S::malosree.maitra@mail.mcgill.ca::8f9c36eb-6eee-475d-9222-9db764a484c1" providerId="AD" clId="Web-{8CF83CED-8810-A3A6-C90E-E465C9526550}" dt="2022-01-10T18:39:56.446" v="0"/>
-      <pc:docMkLst>
-        <pc:docMk/>
-      </pc:docMkLst>
-      <pc:sldChg chg="modSp">
-        <pc:chgData name="Malosree Maitra" userId="S::malosree.maitra@mail.mcgill.ca::8f9c36eb-6eee-475d-9222-9db764a484c1" providerId="AD" clId="Web-{8CF83CED-8810-A3A6-C90E-E465C9526550}" dt="2022-01-10T18:39:56.446" v="0"/>
-        <pc:sldMkLst>
-          <pc:docMk/>
-          <pc:sldMk cId="3888621480" sldId="275"/>
-        </pc:sldMkLst>
-        <pc:spChg chg="mod">
-          <ac:chgData name="Malosree Maitra" userId="S::malosree.maitra@mail.mcgill.ca::8f9c36eb-6eee-475d-9222-9db764a484c1" providerId="AD" clId="Web-{8CF83CED-8810-A3A6-C90E-E465C9526550}" dt="2022-01-10T18:39:56.446" v="0"/>
-          <ac:spMkLst>
-            <pc:docMk/>
-            <pc:sldMk cId="3888621480" sldId="275"/>
-            <ac:spMk id="3" creationId="{7C2CDC48-8371-449B-A979-196C41DB963B}"/>
-          </ac:spMkLst>
-        </pc:spChg>
-      </pc:sldChg>
-    </pc:docChg>
-  </pc:docChgLst>
-  <pc:docChgLst>
-    <pc:chgData name="Haruka Mitsuhashi" userId="S::haruka.mitsuhashi@mail.mcgill.ca::cad9d2e5-3ea3-4f02-9a90-40fb75fca6e0" providerId="AD" clId="Web-{3E975163-67E8-4F2D-A2E1-DF7BF05435D7}"/>
-    <pc:docChg chg="modSld">
-      <pc:chgData name="Haruka Mitsuhashi" userId="S::haruka.mitsuhashi@mail.mcgill.ca::cad9d2e5-3ea3-4f02-9a90-40fb75fca6e0" providerId="AD" clId="Web-{3E975163-67E8-4F2D-A2E1-DF7BF05435D7}" dt="2021-11-17T20:24:51.610" v="55" actId="20577"/>
-      <pc:docMkLst>
-        <pc:docMk/>
-      </pc:docMkLst>
-      <pc:sldChg chg="modSp">
-        <pc:chgData name="Haruka Mitsuhashi" userId="S::haruka.mitsuhashi@mail.mcgill.ca::cad9d2e5-3ea3-4f02-9a90-40fb75fca6e0" providerId="AD" clId="Web-{3E975163-67E8-4F2D-A2E1-DF7BF05435D7}" dt="2021-11-17T20:24:51.610" v="55" actId="20577"/>
-        <pc:sldMkLst>
-          <pc:docMk/>
-          <pc:sldMk cId="2515671864" sldId="264"/>
-        </pc:sldMkLst>
-        <pc:spChg chg="mod">
-          <ac:chgData name="Haruka Mitsuhashi" userId="S::haruka.mitsuhashi@mail.mcgill.ca::cad9d2e5-3ea3-4f02-9a90-40fb75fca6e0" providerId="AD" clId="Web-{3E975163-67E8-4F2D-A2E1-DF7BF05435D7}" dt="2021-11-17T20:24:51.610" v="55" actId="20577"/>
-          <ac:spMkLst>
-            <pc:docMk/>
-            <pc:sldMk cId="2515671864" sldId="264"/>
-            <ac:spMk id="3" creationId="{836B0D7E-22A7-457F-90F3-5564142BE703}"/>
-          </ac:spMkLst>
-        </pc:spChg>
-      </pc:sldChg>
-      <pc:sldChg chg="modSp">
-        <pc:chgData name="Haruka Mitsuhashi" userId="S::haruka.mitsuhashi@mail.mcgill.ca::cad9d2e5-3ea3-4f02-9a90-40fb75fca6e0" providerId="AD" clId="Web-{3E975163-67E8-4F2D-A2E1-DF7BF05435D7}" dt="2021-11-17T20:24:17.813" v="41" actId="20577"/>
-        <pc:sldMkLst>
-          <pc:docMk/>
-          <pc:sldMk cId="2212237892" sldId="265"/>
-        </pc:sldMkLst>
-        <pc:spChg chg="mod">
-          <ac:chgData name="Haruka Mitsuhashi" userId="S::haruka.mitsuhashi@mail.mcgill.ca::cad9d2e5-3ea3-4f02-9a90-40fb75fca6e0" providerId="AD" clId="Web-{3E975163-67E8-4F2D-A2E1-DF7BF05435D7}" dt="2021-11-17T20:24:17.813" v="41" actId="20577"/>
-          <ac:spMkLst>
-            <pc:docMk/>
-            <pc:sldMk cId="2212237892" sldId="265"/>
-            <ac:spMk id="3" creationId="{AA7AE3DA-4533-47E7-AC7A-1C38BF4712F7}"/>
-          </ac:spMkLst>
-        </pc:spChg>
-      </pc:sldChg>
-      <pc:sldChg chg="modSp">
-        <pc:chgData name="Haruka Mitsuhashi" userId="S::haruka.mitsuhashi@mail.mcgill.ca::cad9d2e5-3ea3-4f02-9a90-40fb75fca6e0" providerId="AD" clId="Web-{3E975163-67E8-4F2D-A2E1-DF7BF05435D7}" dt="2021-11-17T20:21:45.358" v="2" actId="20577"/>
-        <pc:sldMkLst>
-          <pc:docMk/>
-          <pc:sldMk cId="1174859885" sldId="271"/>
-        </pc:sldMkLst>
-        <pc:spChg chg="mod">
-          <ac:chgData name="Haruka Mitsuhashi" userId="S::haruka.mitsuhashi@mail.mcgill.ca::cad9d2e5-3ea3-4f02-9a90-40fb75fca6e0" providerId="AD" clId="Web-{3E975163-67E8-4F2D-A2E1-DF7BF05435D7}" dt="2021-11-17T20:21:45.358" v="2" actId="20577"/>
-          <ac:spMkLst>
-            <pc:docMk/>
-            <pc:sldMk cId="1174859885" sldId="271"/>
-            <ac:spMk id="3" creationId="{103D8E6C-3685-4836-94D6-EF2707046D6F}"/>
-          </ac:spMkLst>
-        </pc:spChg>
       </pc:sldChg>
     </pc:docChg>
   </pc:docChgLst>
@@ -24977,143 +24976,6 @@
 </p:sld>
 </file>
 
-<file path=ppt/slides/slide24.xml><?xml version="1.0" encoding="utf-8"?>
-<p:sld xmlns:a="http://schemas.openxmlformats.org/drawingml/2006/main" xmlns:r="http://schemas.openxmlformats.org/officeDocument/2006/relationships" xmlns:p="http://schemas.openxmlformats.org/presentationml/2006/main">
-  <p:cSld>
-    <p:spTree>
-      <p:nvGrpSpPr>
-        <p:cNvPr id="1" name=""/>
-        <p:cNvGrpSpPr/>
-        <p:nvPr/>
-      </p:nvGrpSpPr>
-      <p:grpSpPr>
-        <a:xfrm>
-          <a:off x="0" y="0"/>
-          <a:ext cx="0" cy="0"/>
-          <a:chOff x="0" y="0"/>
-          <a:chExt cx="0" cy="0"/>
-        </a:xfrm>
-      </p:grpSpPr>
-      <p:sp>
-        <p:nvSpPr>
-          <p:cNvPr id="2" name="Title 1">
-            <a:extLst>
-              <a:ext uri="{FF2B5EF4-FFF2-40B4-BE49-F238E27FC236}">
-                <a16:creationId xmlns:a16="http://schemas.microsoft.com/office/drawing/2014/main" id="{FE5AB953-4CB7-4869-B60A-F4A3454915BC}"/>
-              </a:ext>
-            </a:extLst>
-          </p:cNvPr>
-          <p:cNvSpPr>
-            <a:spLocks noGrp="1"/>
-          </p:cNvSpPr>
-          <p:nvPr>
-            <p:ph type="title"/>
-          </p:nvPr>
-        </p:nvSpPr>
-        <p:spPr/>
-        <p:txBody>
-          <a:bodyPr/>
-          <a:lstStyle/>
-          <a:p>
-            <a:r>
-              <a:rPr lang="en-US" dirty="0"/>
-              <a:t>Free Exercise (in class, take home)</a:t>
-            </a:r>
-          </a:p>
-        </p:txBody>
-      </p:sp>
-      <p:sp>
-        <p:nvSpPr>
-          <p:cNvPr id="3" name="Text Placeholder 2">
-            <a:extLst>
-              <a:ext uri="{FF2B5EF4-FFF2-40B4-BE49-F238E27FC236}">
-                <a16:creationId xmlns:a16="http://schemas.microsoft.com/office/drawing/2014/main" id="{E6E2003C-6096-43BC-9E9A-AB7DF9347403}"/>
-              </a:ext>
-            </a:extLst>
-          </p:cNvPr>
-          <p:cNvSpPr>
-            <a:spLocks noGrp="1"/>
-          </p:cNvSpPr>
-          <p:nvPr>
-            <p:ph type="body" idx="1"/>
-          </p:nvPr>
-        </p:nvSpPr>
-        <p:spPr/>
-        <p:txBody>
-          <a:bodyPr/>
-          <a:lstStyle/>
-          <a:p>
-            <a:pPr marL="152400" indent="0">
-              <a:buNone/>
-            </a:pPr>
-            <a:r>
-              <a:rPr lang="en-US" sz="2400" dirty="0"/>
-              <a:t>Load and explore the practice dataset</a:t>
-            </a:r>
-          </a:p>
-          <a:p>
-            <a:pPr marL="152400" indent="0">
-              <a:buNone/>
-            </a:pPr>
-            <a:r>
-              <a:rPr lang="en-US" sz="2400"/>
-              <a:t>&lt;add more specific instructions&gt;</a:t>
-            </a:r>
-            <a:endParaRPr lang="en-US" sz="2400" dirty="0"/>
-          </a:p>
-        </p:txBody>
-      </p:sp>
-      <p:sp>
-        <p:nvSpPr>
-          <p:cNvPr id="4" name="スライド番号プレースホルダー 3">
-            <a:extLst>
-              <a:ext uri="{FF2B5EF4-FFF2-40B4-BE49-F238E27FC236}">
-                <a16:creationId xmlns:a16="http://schemas.microsoft.com/office/drawing/2014/main" id="{9E2BD35E-A999-A345-BC95-216A2AF37B49}"/>
-              </a:ext>
-            </a:extLst>
-          </p:cNvPr>
-          <p:cNvSpPr>
-            <a:spLocks noGrp="1"/>
-          </p:cNvSpPr>
-          <p:nvPr>
-            <p:ph type="sldNum" idx="10"/>
-          </p:nvPr>
-        </p:nvSpPr>
-        <p:spPr/>
-        <p:txBody>
-          <a:bodyPr/>
-          <a:lstStyle/>
-          <a:p>
-            <a:pPr marL="0" lvl="0" indent="0" algn="r" rtl="0">
-              <a:spcBef>
-                <a:spcPts val="0"/>
-              </a:spcBef>
-              <a:spcAft>
-                <a:spcPts val="0"/>
-              </a:spcAft>
-              <a:buNone/>
-            </a:pPr>
-            <a:fld id="{00000000-1234-1234-1234-123412341234}" type="slidenum">
-              <a:rPr lang="en" smtClean="0"/>
-              <a:t>24</a:t>
-            </a:fld>
-            <a:endParaRPr lang="en"/>
-          </a:p>
-        </p:txBody>
-      </p:sp>
-    </p:spTree>
-    <p:extLst>
-      <p:ext uri="{BB962C8B-B14F-4D97-AF65-F5344CB8AC3E}">
-        <p14:creationId xmlns:p14="http://schemas.microsoft.com/office/powerpoint/2010/main" val="1504987362"/>
-      </p:ext>
-    </p:extLst>
-  </p:cSld>
-  <p:clrMapOvr>
-    <a:masterClrMapping/>
-  </p:clrMapOvr>
-</p:sld>
-</file>
-
 <file path=ppt/slides/slide3.xml><?xml version="1.0" encoding="utf-8"?>
 <p:sld xmlns:a="http://schemas.openxmlformats.org/drawingml/2006/main" xmlns:r="http://schemas.openxmlformats.org/officeDocument/2006/relationships" xmlns:p="http://schemas.openxmlformats.org/presentationml/2006/main">
   <p:cSld>
